--- a/readme.pptx
+++ b/readme.pptx
@@ -5,7 +5,7 @@
     <p:sldMasterId id="2147483648" r:id="rId1"/>
   </p:sldMasterIdLst>
   <p:notesMasterIdLst>
-    <p:notesMasterId r:id="rId16"/>
+    <p:notesMasterId r:id="rId17"/>
   </p:notesMasterIdLst>
   <p:sldIdLst>
     <p:sldId id="256" r:id="rId2"/>
@@ -17,11 +17,12 @@
     <p:sldId id="311" r:id="rId8"/>
     <p:sldId id="310" r:id="rId9"/>
     <p:sldId id="312" r:id="rId10"/>
-    <p:sldId id="313" r:id="rId11"/>
-    <p:sldId id="314" r:id="rId12"/>
-    <p:sldId id="315" r:id="rId13"/>
-    <p:sldId id="316" r:id="rId14"/>
-    <p:sldId id="258" r:id="rId15"/>
+    <p:sldId id="316" r:id="rId11"/>
+    <p:sldId id="313" r:id="rId12"/>
+    <p:sldId id="314" r:id="rId13"/>
+    <p:sldId id="315" r:id="rId14"/>
+    <p:sldId id="317" r:id="rId15"/>
+    <p:sldId id="258" r:id="rId16"/>
   </p:sldIdLst>
   <p:sldSz cx="12192000" cy="6858000"/>
   <p:notesSz cx="6858000" cy="9144000"/>
@@ -122,7 +123,7 @@
   </p:defaultTextStyle>
   <p:extLst>
     <p:ext uri="{EFAFB233-063F-42B5-8137-9DF3F51BA10A}">
-      <p15:sldGuideLst xmlns:p15="http://schemas.microsoft.com/office/powerpoint/2012/main" xmlns=""/>
+      <p15:sldGuideLst xmlns="" xmlns:p15="http://schemas.microsoft.com/office/powerpoint/2012/main"/>
     </p:ext>
   </p:extLst>
 </p:presentation>
@@ -500,7 +501,7 @@
           <p:cNvPr id="2" name="Title 1">
             <a:extLst>
               <a:ext uri="{FF2B5EF4-FFF2-40B4-BE49-F238E27FC236}">
-                <a16:creationId xmlns:a16="http://schemas.microsoft.com/office/drawing/2014/main" xmlns="" id="{AD6677EC-8707-4820-BADA-C8D002623C77}"/>
+                <a16:creationId xmlns="" xmlns:a16="http://schemas.microsoft.com/office/drawing/2014/main" id="{AD6677EC-8707-4820-BADA-C8D002623C77}"/>
               </a:ext>
             </a:extLst>
           </p:cNvPr>
@@ -538,7 +539,7 @@
           <p:cNvPr id="3" name="Subtitle 2">
             <a:extLst>
               <a:ext uri="{FF2B5EF4-FFF2-40B4-BE49-F238E27FC236}">
-                <a16:creationId xmlns:a16="http://schemas.microsoft.com/office/drawing/2014/main" xmlns="" id="{254CA423-B559-4D4C-A990-FC9123A2D2E4}"/>
+                <a16:creationId xmlns="" xmlns:a16="http://schemas.microsoft.com/office/drawing/2014/main" id="{254CA423-B559-4D4C-A990-FC9123A2D2E4}"/>
               </a:ext>
             </a:extLst>
           </p:cNvPr>
@@ -609,7 +610,7 @@
           <p:cNvPr id="4" name="Date Placeholder 3">
             <a:extLst>
               <a:ext uri="{FF2B5EF4-FFF2-40B4-BE49-F238E27FC236}">
-                <a16:creationId xmlns:a16="http://schemas.microsoft.com/office/drawing/2014/main" xmlns="" id="{13ABF47C-6BE7-481F-AB05-B52FBC9877B2}"/>
+                <a16:creationId xmlns="" xmlns:a16="http://schemas.microsoft.com/office/drawing/2014/main" id="{13ABF47C-6BE7-481F-AB05-B52FBC9877B2}"/>
               </a:ext>
             </a:extLst>
           </p:cNvPr>
@@ -638,7 +639,7 @@
           <p:cNvPr id="5" name="Footer Placeholder 4">
             <a:extLst>
               <a:ext uri="{FF2B5EF4-FFF2-40B4-BE49-F238E27FC236}">
-                <a16:creationId xmlns:a16="http://schemas.microsoft.com/office/drawing/2014/main" xmlns="" id="{CDB0413F-8EF5-4D34-BD5B-3C522BCECAD9}"/>
+                <a16:creationId xmlns="" xmlns:a16="http://schemas.microsoft.com/office/drawing/2014/main" id="{CDB0413F-8EF5-4D34-BD5B-3C522BCECAD9}"/>
               </a:ext>
             </a:extLst>
           </p:cNvPr>
@@ -667,7 +668,7 @@
           <p:cNvPr id="6" name="Slide Number Placeholder 5">
             <a:extLst>
               <a:ext uri="{FF2B5EF4-FFF2-40B4-BE49-F238E27FC236}">
-                <a16:creationId xmlns:a16="http://schemas.microsoft.com/office/drawing/2014/main" xmlns="" id="{3F3B31F8-E781-4D49-A386-D0041E93058C}"/>
+                <a16:creationId xmlns="" xmlns:a16="http://schemas.microsoft.com/office/drawing/2014/main" id="{3F3B31F8-E781-4D49-A386-D0041E93058C}"/>
               </a:ext>
             </a:extLst>
           </p:cNvPr>
@@ -726,7 +727,7 @@
           <p:cNvPr id="2" name="Title 1">
             <a:extLst>
               <a:ext uri="{FF2B5EF4-FFF2-40B4-BE49-F238E27FC236}">
-                <a16:creationId xmlns:a16="http://schemas.microsoft.com/office/drawing/2014/main" xmlns="" id="{2213ED4C-2D41-4FDA-ACD9-CF186DD3C3CA}"/>
+                <a16:creationId xmlns="" xmlns:a16="http://schemas.microsoft.com/office/drawing/2014/main" id="{2213ED4C-2D41-4FDA-ACD9-CF186DD3C3CA}"/>
               </a:ext>
             </a:extLst>
           </p:cNvPr>
@@ -755,7 +756,7 @@
           <p:cNvPr id="3" name="Vertical Text Placeholder 2">
             <a:extLst>
               <a:ext uri="{FF2B5EF4-FFF2-40B4-BE49-F238E27FC236}">
-                <a16:creationId xmlns:a16="http://schemas.microsoft.com/office/drawing/2014/main" xmlns="" id="{8E0B6A18-318A-4D0E-8ED7-59987F342179}"/>
+                <a16:creationId xmlns="" xmlns:a16="http://schemas.microsoft.com/office/drawing/2014/main" id="{8E0B6A18-318A-4D0E-8ED7-59987F342179}"/>
               </a:ext>
             </a:extLst>
           </p:cNvPr>
@@ -813,7 +814,7 @@
           <p:cNvPr id="4" name="Date Placeholder 3">
             <a:extLst>
               <a:ext uri="{FF2B5EF4-FFF2-40B4-BE49-F238E27FC236}">
-                <a16:creationId xmlns:a16="http://schemas.microsoft.com/office/drawing/2014/main" xmlns="" id="{EB20B605-C292-4D14-8912-8251D314F350}"/>
+                <a16:creationId xmlns="" xmlns:a16="http://schemas.microsoft.com/office/drawing/2014/main" id="{EB20B605-C292-4D14-8912-8251D314F350}"/>
               </a:ext>
             </a:extLst>
           </p:cNvPr>
@@ -842,7 +843,7 @@
           <p:cNvPr id="5" name="Footer Placeholder 4">
             <a:extLst>
               <a:ext uri="{FF2B5EF4-FFF2-40B4-BE49-F238E27FC236}">
-                <a16:creationId xmlns:a16="http://schemas.microsoft.com/office/drawing/2014/main" xmlns="" id="{0D230557-72CD-41CF-A4E5-A9B64FF15213}"/>
+                <a16:creationId xmlns="" xmlns:a16="http://schemas.microsoft.com/office/drawing/2014/main" id="{0D230557-72CD-41CF-A4E5-A9B64FF15213}"/>
               </a:ext>
             </a:extLst>
           </p:cNvPr>
@@ -871,7 +872,7 @@
           <p:cNvPr id="6" name="Slide Number Placeholder 5">
             <a:extLst>
               <a:ext uri="{FF2B5EF4-FFF2-40B4-BE49-F238E27FC236}">
-                <a16:creationId xmlns:a16="http://schemas.microsoft.com/office/drawing/2014/main" xmlns="" id="{2FE1D16F-C026-46E0-A7C9-F83599048AE0}"/>
+                <a16:creationId xmlns="" xmlns:a16="http://schemas.microsoft.com/office/drawing/2014/main" id="{2FE1D16F-C026-46E0-A7C9-F83599048AE0}"/>
               </a:ext>
             </a:extLst>
           </p:cNvPr>
@@ -930,7 +931,7 @@
           <p:cNvPr id="2" name="Vertical Title 1">
             <a:extLst>
               <a:ext uri="{FF2B5EF4-FFF2-40B4-BE49-F238E27FC236}">
-                <a16:creationId xmlns:a16="http://schemas.microsoft.com/office/drawing/2014/main" xmlns="" id="{8469DE12-C071-4A7D-8AE5-91FA861BC220}"/>
+                <a16:creationId xmlns="" xmlns:a16="http://schemas.microsoft.com/office/drawing/2014/main" id="{8469DE12-C071-4A7D-8AE5-91FA861BC220}"/>
               </a:ext>
             </a:extLst>
           </p:cNvPr>
@@ -964,7 +965,7 @@
           <p:cNvPr id="3" name="Vertical Text Placeholder 2">
             <a:extLst>
               <a:ext uri="{FF2B5EF4-FFF2-40B4-BE49-F238E27FC236}">
-                <a16:creationId xmlns:a16="http://schemas.microsoft.com/office/drawing/2014/main" xmlns="" id="{358265D5-5610-4284-BF94-42B608C74901}"/>
+                <a16:creationId xmlns="" xmlns:a16="http://schemas.microsoft.com/office/drawing/2014/main" id="{358265D5-5610-4284-BF94-42B608C74901}"/>
               </a:ext>
             </a:extLst>
           </p:cNvPr>
@@ -1027,7 +1028,7 @@
           <p:cNvPr id="4" name="Date Placeholder 3">
             <a:extLst>
               <a:ext uri="{FF2B5EF4-FFF2-40B4-BE49-F238E27FC236}">
-                <a16:creationId xmlns:a16="http://schemas.microsoft.com/office/drawing/2014/main" xmlns="" id="{306AA223-7897-4BD9-A6D1-A15242652B24}"/>
+                <a16:creationId xmlns="" xmlns:a16="http://schemas.microsoft.com/office/drawing/2014/main" id="{306AA223-7897-4BD9-A6D1-A15242652B24}"/>
               </a:ext>
             </a:extLst>
           </p:cNvPr>
@@ -1056,7 +1057,7 @@
           <p:cNvPr id="5" name="Footer Placeholder 4">
             <a:extLst>
               <a:ext uri="{FF2B5EF4-FFF2-40B4-BE49-F238E27FC236}">
-                <a16:creationId xmlns:a16="http://schemas.microsoft.com/office/drawing/2014/main" xmlns="" id="{449AFCD7-05C4-4EFD-9123-53F406BD522A}"/>
+                <a16:creationId xmlns="" xmlns:a16="http://schemas.microsoft.com/office/drawing/2014/main" id="{449AFCD7-05C4-4EFD-9123-53F406BD522A}"/>
               </a:ext>
             </a:extLst>
           </p:cNvPr>
@@ -1085,7 +1086,7 @@
           <p:cNvPr id="6" name="Slide Number Placeholder 5">
             <a:extLst>
               <a:ext uri="{FF2B5EF4-FFF2-40B4-BE49-F238E27FC236}">
-                <a16:creationId xmlns:a16="http://schemas.microsoft.com/office/drawing/2014/main" xmlns="" id="{0E1416BD-B766-4C6F-9275-FD4ACE1EE922}"/>
+                <a16:creationId xmlns="" xmlns:a16="http://schemas.microsoft.com/office/drawing/2014/main" id="{0E1416BD-B766-4C6F-9275-FD4ACE1EE922}"/>
               </a:ext>
             </a:extLst>
           </p:cNvPr>
@@ -1144,7 +1145,7 @@
           <p:cNvPr id="2" name="Title 1">
             <a:extLst>
               <a:ext uri="{FF2B5EF4-FFF2-40B4-BE49-F238E27FC236}">
-                <a16:creationId xmlns:a16="http://schemas.microsoft.com/office/drawing/2014/main" xmlns="" id="{A82538AA-70C7-403B-9DCD-1DCB5FC6C1D3}"/>
+                <a16:creationId xmlns="" xmlns:a16="http://schemas.microsoft.com/office/drawing/2014/main" id="{A82538AA-70C7-403B-9DCD-1DCB5FC6C1D3}"/>
               </a:ext>
             </a:extLst>
           </p:cNvPr>
@@ -1173,7 +1174,7 @@
           <p:cNvPr id="3" name="Content Placeholder 2">
             <a:extLst>
               <a:ext uri="{FF2B5EF4-FFF2-40B4-BE49-F238E27FC236}">
-                <a16:creationId xmlns:a16="http://schemas.microsoft.com/office/drawing/2014/main" xmlns="" id="{1821E538-2875-4884-8011-6C623ABE5F26}"/>
+                <a16:creationId xmlns="" xmlns:a16="http://schemas.microsoft.com/office/drawing/2014/main" id="{1821E538-2875-4884-8011-6C623ABE5F26}"/>
               </a:ext>
             </a:extLst>
           </p:cNvPr>
@@ -1231,7 +1232,7 @@
           <p:cNvPr id="4" name="Date Placeholder 3">
             <a:extLst>
               <a:ext uri="{FF2B5EF4-FFF2-40B4-BE49-F238E27FC236}">
-                <a16:creationId xmlns:a16="http://schemas.microsoft.com/office/drawing/2014/main" xmlns="" id="{7F1CCF97-3F8D-4BE3-B3F4-704CF465CA7B}"/>
+                <a16:creationId xmlns="" xmlns:a16="http://schemas.microsoft.com/office/drawing/2014/main" id="{7F1CCF97-3F8D-4BE3-B3F4-704CF465CA7B}"/>
               </a:ext>
             </a:extLst>
           </p:cNvPr>
@@ -1260,7 +1261,7 @@
           <p:cNvPr id="5" name="Footer Placeholder 4">
             <a:extLst>
               <a:ext uri="{FF2B5EF4-FFF2-40B4-BE49-F238E27FC236}">
-                <a16:creationId xmlns:a16="http://schemas.microsoft.com/office/drawing/2014/main" xmlns="" id="{8FCA0885-0058-4DCE-B0D8-A392309ED5F6}"/>
+                <a16:creationId xmlns="" xmlns:a16="http://schemas.microsoft.com/office/drawing/2014/main" id="{8FCA0885-0058-4DCE-B0D8-A392309ED5F6}"/>
               </a:ext>
             </a:extLst>
           </p:cNvPr>
@@ -1289,7 +1290,7 @@
           <p:cNvPr id="6" name="Slide Number Placeholder 5">
             <a:extLst>
               <a:ext uri="{FF2B5EF4-FFF2-40B4-BE49-F238E27FC236}">
-                <a16:creationId xmlns:a16="http://schemas.microsoft.com/office/drawing/2014/main" xmlns="" id="{12630807-4DF9-41CF-8A31-3107A20D42A5}"/>
+                <a16:creationId xmlns="" xmlns:a16="http://schemas.microsoft.com/office/drawing/2014/main" id="{12630807-4DF9-41CF-8A31-3107A20D42A5}"/>
               </a:ext>
             </a:extLst>
           </p:cNvPr>
@@ -1348,7 +1349,7 @@
           <p:cNvPr id="2" name="Title 1">
             <a:extLst>
               <a:ext uri="{FF2B5EF4-FFF2-40B4-BE49-F238E27FC236}">
-                <a16:creationId xmlns:a16="http://schemas.microsoft.com/office/drawing/2014/main" xmlns="" id="{9CFEB71D-02FC-48B4-A779-ADFE40687401}"/>
+                <a16:creationId xmlns="" xmlns:a16="http://schemas.microsoft.com/office/drawing/2014/main" id="{9CFEB71D-02FC-48B4-A779-ADFE40687401}"/>
               </a:ext>
             </a:extLst>
           </p:cNvPr>
@@ -1386,7 +1387,7 @@
           <p:cNvPr id="3" name="Text Placeholder 2">
             <a:extLst>
               <a:ext uri="{FF2B5EF4-FFF2-40B4-BE49-F238E27FC236}">
-                <a16:creationId xmlns:a16="http://schemas.microsoft.com/office/drawing/2014/main" xmlns="" id="{A1083A76-206C-445B-88AB-6EA74EA88133}"/>
+                <a16:creationId xmlns="" xmlns:a16="http://schemas.microsoft.com/office/drawing/2014/main" id="{A1083A76-206C-445B-88AB-6EA74EA88133}"/>
               </a:ext>
             </a:extLst>
           </p:cNvPr>
@@ -1511,7 +1512,7 @@
           <p:cNvPr id="4" name="Date Placeholder 3">
             <a:extLst>
               <a:ext uri="{FF2B5EF4-FFF2-40B4-BE49-F238E27FC236}">
-                <a16:creationId xmlns:a16="http://schemas.microsoft.com/office/drawing/2014/main" xmlns="" id="{B948F319-72EC-4826-9DD2-EF3EA0136035}"/>
+                <a16:creationId xmlns="" xmlns:a16="http://schemas.microsoft.com/office/drawing/2014/main" id="{B948F319-72EC-4826-9DD2-EF3EA0136035}"/>
               </a:ext>
             </a:extLst>
           </p:cNvPr>
@@ -1540,7 +1541,7 @@
           <p:cNvPr id="5" name="Footer Placeholder 4">
             <a:extLst>
               <a:ext uri="{FF2B5EF4-FFF2-40B4-BE49-F238E27FC236}">
-                <a16:creationId xmlns:a16="http://schemas.microsoft.com/office/drawing/2014/main" xmlns="" id="{BABA8B88-7AB1-4668-B759-ED40AF13F292}"/>
+                <a16:creationId xmlns="" xmlns:a16="http://schemas.microsoft.com/office/drawing/2014/main" id="{BABA8B88-7AB1-4668-B759-ED40AF13F292}"/>
               </a:ext>
             </a:extLst>
           </p:cNvPr>
@@ -1569,7 +1570,7 @@
           <p:cNvPr id="6" name="Slide Number Placeholder 5">
             <a:extLst>
               <a:ext uri="{FF2B5EF4-FFF2-40B4-BE49-F238E27FC236}">
-                <a16:creationId xmlns:a16="http://schemas.microsoft.com/office/drawing/2014/main" xmlns="" id="{CCB6E71B-F180-4BD9-81AD-DA4B1CFA38B8}"/>
+                <a16:creationId xmlns="" xmlns:a16="http://schemas.microsoft.com/office/drawing/2014/main" id="{CCB6E71B-F180-4BD9-81AD-DA4B1CFA38B8}"/>
               </a:ext>
             </a:extLst>
           </p:cNvPr>
@@ -1628,7 +1629,7 @@
           <p:cNvPr id="2" name="Title 1">
             <a:extLst>
               <a:ext uri="{FF2B5EF4-FFF2-40B4-BE49-F238E27FC236}">
-                <a16:creationId xmlns:a16="http://schemas.microsoft.com/office/drawing/2014/main" xmlns="" id="{E47950D1-0BC5-4433-9307-0C1090AF42FD}"/>
+                <a16:creationId xmlns="" xmlns:a16="http://schemas.microsoft.com/office/drawing/2014/main" id="{E47950D1-0BC5-4433-9307-0C1090AF42FD}"/>
               </a:ext>
             </a:extLst>
           </p:cNvPr>
@@ -1657,7 +1658,7 @@
           <p:cNvPr id="3" name="Content Placeholder 2">
             <a:extLst>
               <a:ext uri="{FF2B5EF4-FFF2-40B4-BE49-F238E27FC236}">
-                <a16:creationId xmlns:a16="http://schemas.microsoft.com/office/drawing/2014/main" xmlns="" id="{9D7D2B18-603C-40A0-AAAC-676EE2654956}"/>
+                <a16:creationId xmlns="" xmlns:a16="http://schemas.microsoft.com/office/drawing/2014/main" id="{9D7D2B18-603C-40A0-AAAC-676EE2654956}"/>
               </a:ext>
             </a:extLst>
           </p:cNvPr>
@@ -1720,7 +1721,7 @@
           <p:cNvPr id="4" name="Content Placeholder 3">
             <a:extLst>
               <a:ext uri="{FF2B5EF4-FFF2-40B4-BE49-F238E27FC236}">
-                <a16:creationId xmlns:a16="http://schemas.microsoft.com/office/drawing/2014/main" xmlns="" id="{154421C5-CFEF-4155-AB5E-010A7A9A6686}"/>
+                <a16:creationId xmlns="" xmlns:a16="http://schemas.microsoft.com/office/drawing/2014/main" id="{154421C5-CFEF-4155-AB5E-010A7A9A6686}"/>
               </a:ext>
             </a:extLst>
           </p:cNvPr>
@@ -1783,7 +1784,7 @@
           <p:cNvPr id="5" name="Date Placeholder 4">
             <a:extLst>
               <a:ext uri="{FF2B5EF4-FFF2-40B4-BE49-F238E27FC236}">
-                <a16:creationId xmlns:a16="http://schemas.microsoft.com/office/drawing/2014/main" xmlns="" id="{9D14BCF1-40CD-4789-8B4C-1D20A8E3304C}"/>
+                <a16:creationId xmlns="" xmlns:a16="http://schemas.microsoft.com/office/drawing/2014/main" id="{9D14BCF1-40CD-4789-8B4C-1D20A8E3304C}"/>
               </a:ext>
             </a:extLst>
           </p:cNvPr>
@@ -1812,7 +1813,7 @@
           <p:cNvPr id="6" name="Footer Placeholder 5">
             <a:extLst>
               <a:ext uri="{FF2B5EF4-FFF2-40B4-BE49-F238E27FC236}">
-                <a16:creationId xmlns:a16="http://schemas.microsoft.com/office/drawing/2014/main" xmlns="" id="{E4922A8D-303B-4526-80C4-42AED2713A8B}"/>
+                <a16:creationId xmlns="" xmlns:a16="http://schemas.microsoft.com/office/drawing/2014/main" id="{E4922A8D-303B-4526-80C4-42AED2713A8B}"/>
               </a:ext>
             </a:extLst>
           </p:cNvPr>
@@ -1841,7 +1842,7 @@
           <p:cNvPr id="7" name="Slide Number Placeholder 6">
             <a:extLst>
               <a:ext uri="{FF2B5EF4-FFF2-40B4-BE49-F238E27FC236}">
-                <a16:creationId xmlns:a16="http://schemas.microsoft.com/office/drawing/2014/main" xmlns="" id="{E3C30F65-B743-42C4-8ABC-09B079346975}"/>
+                <a16:creationId xmlns="" xmlns:a16="http://schemas.microsoft.com/office/drawing/2014/main" id="{E3C30F65-B743-42C4-8ABC-09B079346975}"/>
               </a:ext>
             </a:extLst>
           </p:cNvPr>
@@ -1900,7 +1901,7 @@
           <p:cNvPr id="2" name="Title 1">
             <a:extLst>
               <a:ext uri="{FF2B5EF4-FFF2-40B4-BE49-F238E27FC236}">
-                <a16:creationId xmlns:a16="http://schemas.microsoft.com/office/drawing/2014/main" xmlns="" id="{41595C1A-15C2-48ED-B0F8-BAA935B81F5E}"/>
+                <a16:creationId xmlns="" xmlns:a16="http://schemas.microsoft.com/office/drawing/2014/main" id="{41595C1A-15C2-48ED-B0F8-BAA935B81F5E}"/>
               </a:ext>
             </a:extLst>
           </p:cNvPr>
@@ -1934,7 +1935,7 @@
           <p:cNvPr id="3" name="Text Placeholder 2">
             <a:extLst>
               <a:ext uri="{FF2B5EF4-FFF2-40B4-BE49-F238E27FC236}">
-                <a16:creationId xmlns:a16="http://schemas.microsoft.com/office/drawing/2014/main" xmlns="" id="{03F02048-7C2A-4B08-BF76-13F8E88F3C86}"/>
+                <a16:creationId xmlns="" xmlns:a16="http://schemas.microsoft.com/office/drawing/2014/main" id="{03F02048-7C2A-4B08-BF76-13F8E88F3C86}"/>
               </a:ext>
             </a:extLst>
           </p:cNvPr>
@@ -2005,7 +2006,7 @@
           <p:cNvPr id="4" name="Content Placeholder 3">
             <a:extLst>
               <a:ext uri="{FF2B5EF4-FFF2-40B4-BE49-F238E27FC236}">
-                <a16:creationId xmlns:a16="http://schemas.microsoft.com/office/drawing/2014/main" xmlns="" id="{5B11E60C-383E-4752-AAC7-4D0B3FA81780}"/>
+                <a16:creationId xmlns="" xmlns:a16="http://schemas.microsoft.com/office/drawing/2014/main" id="{5B11E60C-383E-4752-AAC7-4D0B3FA81780}"/>
               </a:ext>
             </a:extLst>
           </p:cNvPr>
@@ -2068,7 +2069,7 @@
           <p:cNvPr id="5" name="Text Placeholder 4">
             <a:extLst>
               <a:ext uri="{FF2B5EF4-FFF2-40B4-BE49-F238E27FC236}">
-                <a16:creationId xmlns:a16="http://schemas.microsoft.com/office/drawing/2014/main" xmlns="" id="{66B61BD6-6302-4813-867C-D0AAEEE20034}"/>
+                <a16:creationId xmlns="" xmlns:a16="http://schemas.microsoft.com/office/drawing/2014/main" id="{66B61BD6-6302-4813-867C-D0AAEEE20034}"/>
               </a:ext>
             </a:extLst>
           </p:cNvPr>
@@ -2139,7 +2140,7 @@
           <p:cNvPr id="6" name="Content Placeholder 5">
             <a:extLst>
               <a:ext uri="{FF2B5EF4-FFF2-40B4-BE49-F238E27FC236}">
-                <a16:creationId xmlns:a16="http://schemas.microsoft.com/office/drawing/2014/main" xmlns="" id="{2DF16956-D767-410D-AAFD-FBDA7772B667}"/>
+                <a16:creationId xmlns="" xmlns:a16="http://schemas.microsoft.com/office/drawing/2014/main" id="{2DF16956-D767-410D-AAFD-FBDA7772B667}"/>
               </a:ext>
             </a:extLst>
           </p:cNvPr>
@@ -2202,7 +2203,7 @@
           <p:cNvPr id="7" name="Date Placeholder 6">
             <a:extLst>
               <a:ext uri="{FF2B5EF4-FFF2-40B4-BE49-F238E27FC236}">
-                <a16:creationId xmlns:a16="http://schemas.microsoft.com/office/drawing/2014/main" xmlns="" id="{96D7FCDA-4AC0-4681-AE6C-03F9DBAEEE60}"/>
+                <a16:creationId xmlns="" xmlns:a16="http://schemas.microsoft.com/office/drawing/2014/main" id="{96D7FCDA-4AC0-4681-AE6C-03F9DBAEEE60}"/>
               </a:ext>
             </a:extLst>
           </p:cNvPr>
@@ -2231,7 +2232,7 @@
           <p:cNvPr id="8" name="Footer Placeholder 7">
             <a:extLst>
               <a:ext uri="{FF2B5EF4-FFF2-40B4-BE49-F238E27FC236}">
-                <a16:creationId xmlns:a16="http://schemas.microsoft.com/office/drawing/2014/main" xmlns="" id="{3BD46444-BBA5-497F-AA32-5A16AAB20EA5}"/>
+                <a16:creationId xmlns="" xmlns:a16="http://schemas.microsoft.com/office/drawing/2014/main" id="{3BD46444-BBA5-497F-AA32-5A16AAB20EA5}"/>
               </a:ext>
             </a:extLst>
           </p:cNvPr>
@@ -2260,7 +2261,7 @@
           <p:cNvPr id="9" name="Slide Number Placeholder 8">
             <a:extLst>
               <a:ext uri="{FF2B5EF4-FFF2-40B4-BE49-F238E27FC236}">
-                <a16:creationId xmlns:a16="http://schemas.microsoft.com/office/drawing/2014/main" xmlns="" id="{5835D463-682D-4A5C-A63F-C5813E57712C}"/>
+                <a16:creationId xmlns="" xmlns:a16="http://schemas.microsoft.com/office/drawing/2014/main" id="{5835D463-682D-4A5C-A63F-C5813E57712C}"/>
               </a:ext>
             </a:extLst>
           </p:cNvPr>
@@ -2319,7 +2320,7 @@
           <p:cNvPr id="2" name="Title 1">
             <a:extLst>
               <a:ext uri="{FF2B5EF4-FFF2-40B4-BE49-F238E27FC236}">
-                <a16:creationId xmlns:a16="http://schemas.microsoft.com/office/drawing/2014/main" xmlns="" id="{18014203-0E89-4589-AC9B-7CBB8ACFEB0E}"/>
+                <a16:creationId xmlns="" xmlns:a16="http://schemas.microsoft.com/office/drawing/2014/main" id="{18014203-0E89-4589-AC9B-7CBB8ACFEB0E}"/>
               </a:ext>
             </a:extLst>
           </p:cNvPr>
@@ -2348,7 +2349,7 @@
           <p:cNvPr id="3" name="Date Placeholder 2">
             <a:extLst>
               <a:ext uri="{FF2B5EF4-FFF2-40B4-BE49-F238E27FC236}">
-                <a16:creationId xmlns:a16="http://schemas.microsoft.com/office/drawing/2014/main" xmlns="" id="{EA1A5BE8-6563-4A9B-A9DF-E921E64FDBCD}"/>
+                <a16:creationId xmlns="" xmlns:a16="http://schemas.microsoft.com/office/drawing/2014/main" id="{EA1A5BE8-6563-4A9B-A9DF-E921E64FDBCD}"/>
               </a:ext>
             </a:extLst>
           </p:cNvPr>
@@ -2377,7 +2378,7 @@
           <p:cNvPr id="4" name="Footer Placeholder 3">
             <a:extLst>
               <a:ext uri="{FF2B5EF4-FFF2-40B4-BE49-F238E27FC236}">
-                <a16:creationId xmlns:a16="http://schemas.microsoft.com/office/drawing/2014/main" xmlns="" id="{9A1CE8E4-E1B6-4FCC-BE1D-B60BD1B1B01D}"/>
+                <a16:creationId xmlns="" xmlns:a16="http://schemas.microsoft.com/office/drawing/2014/main" id="{9A1CE8E4-E1B6-4FCC-BE1D-B60BD1B1B01D}"/>
               </a:ext>
             </a:extLst>
           </p:cNvPr>
@@ -2406,7 +2407,7 @@
           <p:cNvPr id="5" name="Slide Number Placeholder 4">
             <a:extLst>
               <a:ext uri="{FF2B5EF4-FFF2-40B4-BE49-F238E27FC236}">
-                <a16:creationId xmlns:a16="http://schemas.microsoft.com/office/drawing/2014/main" xmlns="" id="{5C17A080-59BF-4690-930A-E3838C1219EC}"/>
+                <a16:creationId xmlns="" xmlns:a16="http://schemas.microsoft.com/office/drawing/2014/main" id="{5C17A080-59BF-4690-930A-E3838C1219EC}"/>
               </a:ext>
             </a:extLst>
           </p:cNvPr>
@@ -2465,7 +2466,7 @@
           <p:cNvPr id="2" name="Date Placeholder 1">
             <a:extLst>
               <a:ext uri="{FF2B5EF4-FFF2-40B4-BE49-F238E27FC236}">
-                <a16:creationId xmlns:a16="http://schemas.microsoft.com/office/drawing/2014/main" xmlns="" id="{EEBC0457-3BA2-4C45-88B7-E219D4272972}"/>
+                <a16:creationId xmlns="" xmlns:a16="http://schemas.microsoft.com/office/drawing/2014/main" id="{EEBC0457-3BA2-4C45-88B7-E219D4272972}"/>
               </a:ext>
             </a:extLst>
           </p:cNvPr>
@@ -2494,7 +2495,7 @@
           <p:cNvPr id="3" name="Footer Placeholder 2">
             <a:extLst>
               <a:ext uri="{FF2B5EF4-FFF2-40B4-BE49-F238E27FC236}">
-                <a16:creationId xmlns:a16="http://schemas.microsoft.com/office/drawing/2014/main" xmlns="" id="{3BDC4564-BA34-4AF2-87DE-426509FD1319}"/>
+                <a16:creationId xmlns="" xmlns:a16="http://schemas.microsoft.com/office/drawing/2014/main" id="{3BDC4564-BA34-4AF2-87DE-426509FD1319}"/>
               </a:ext>
             </a:extLst>
           </p:cNvPr>
@@ -2523,7 +2524,7 @@
           <p:cNvPr id="4" name="Slide Number Placeholder 3">
             <a:extLst>
               <a:ext uri="{FF2B5EF4-FFF2-40B4-BE49-F238E27FC236}">
-                <a16:creationId xmlns:a16="http://schemas.microsoft.com/office/drawing/2014/main" xmlns="" id="{6771982A-07E2-45C5-A479-D2B8CF937139}"/>
+                <a16:creationId xmlns="" xmlns:a16="http://schemas.microsoft.com/office/drawing/2014/main" id="{6771982A-07E2-45C5-A479-D2B8CF937139}"/>
               </a:ext>
             </a:extLst>
           </p:cNvPr>
@@ -2582,7 +2583,7 @@
           <p:cNvPr id="2" name="Title 1">
             <a:extLst>
               <a:ext uri="{FF2B5EF4-FFF2-40B4-BE49-F238E27FC236}">
-                <a16:creationId xmlns:a16="http://schemas.microsoft.com/office/drawing/2014/main" xmlns="" id="{C906415D-865A-4910-87F5-700C462242D4}"/>
+                <a16:creationId xmlns="" xmlns:a16="http://schemas.microsoft.com/office/drawing/2014/main" id="{C906415D-865A-4910-87F5-700C462242D4}"/>
               </a:ext>
             </a:extLst>
           </p:cNvPr>
@@ -2620,7 +2621,7 @@
           <p:cNvPr id="3" name="Content Placeholder 2">
             <a:extLst>
               <a:ext uri="{FF2B5EF4-FFF2-40B4-BE49-F238E27FC236}">
-                <a16:creationId xmlns:a16="http://schemas.microsoft.com/office/drawing/2014/main" xmlns="" id="{57825CFD-6151-4A9A-928C-5B14495EE293}"/>
+                <a16:creationId xmlns="" xmlns:a16="http://schemas.microsoft.com/office/drawing/2014/main" id="{57825CFD-6151-4A9A-928C-5B14495EE293}"/>
               </a:ext>
             </a:extLst>
           </p:cNvPr>
@@ -2711,7 +2712,7 @@
           <p:cNvPr id="4" name="Text Placeholder 3">
             <a:extLst>
               <a:ext uri="{FF2B5EF4-FFF2-40B4-BE49-F238E27FC236}">
-                <a16:creationId xmlns:a16="http://schemas.microsoft.com/office/drawing/2014/main" xmlns="" id="{2DD50256-14A9-4760-867F-54FFAC07EE4D}"/>
+                <a16:creationId xmlns="" xmlns:a16="http://schemas.microsoft.com/office/drawing/2014/main" id="{2DD50256-14A9-4760-867F-54FFAC07EE4D}"/>
               </a:ext>
             </a:extLst>
           </p:cNvPr>
@@ -2782,7 +2783,7 @@
           <p:cNvPr id="5" name="Date Placeholder 4">
             <a:extLst>
               <a:ext uri="{FF2B5EF4-FFF2-40B4-BE49-F238E27FC236}">
-                <a16:creationId xmlns:a16="http://schemas.microsoft.com/office/drawing/2014/main" xmlns="" id="{AD30F158-1CCF-4187-B626-F3C2F7B23D97}"/>
+                <a16:creationId xmlns="" xmlns:a16="http://schemas.microsoft.com/office/drawing/2014/main" id="{AD30F158-1CCF-4187-B626-F3C2F7B23D97}"/>
               </a:ext>
             </a:extLst>
           </p:cNvPr>
@@ -2811,7 +2812,7 @@
           <p:cNvPr id="6" name="Footer Placeholder 5">
             <a:extLst>
               <a:ext uri="{FF2B5EF4-FFF2-40B4-BE49-F238E27FC236}">
-                <a16:creationId xmlns:a16="http://schemas.microsoft.com/office/drawing/2014/main" xmlns="" id="{4512C3F2-F875-4CB4-9457-F9A1515D0EC7}"/>
+                <a16:creationId xmlns="" xmlns:a16="http://schemas.microsoft.com/office/drawing/2014/main" id="{4512C3F2-F875-4CB4-9457-F9A1515D0EC7}"/>
               </a:ext>
             </a:extLst>
           </p:cNvPr>
@@ -2840,7 +2841,7 @@
           <p:cNvPr id="7" name="Slide Number Placeholder 6">
             <a:extLst>
               <a:ext uri="{FF2B5EF4-FFF2-40B4-BE49-F238E27FC236}">
-                <a16:creationId xmlns:a16="http://schemas.microsoft.com/office/drawing/2014/main" xmlns="" id="{AA3CE853-B5FE-4227-AF0F-664B0F6ED8B7}"/>
+                <a16:creationId xmlns="" xmlns:a16="http://schemas.microsoft.com/office/drawing/2014/main" id="{AA3CE853-B5FE-4227-AF0F-664B0F6ED8B7}"/>
               </a:ext>
             </a:extLst>
           </p:cNvPr>
@@ -2899,7 +2900,7 @@
           <p:cNvPr id="2" name="Title 1">
             <a:extLst>
               <a:ext uri="{FF2B5EF4-FFF2-40B4-BE49-F238E27FC236}">
-                <a16:creationId xmlns:a16="http://schemas.microsoft.com/office/drawing/2014/main" xmlns="" id="{80D99D6D-E397-499B-80A1-FCCB8CD81661}"/>
+                <a16:creationId xmlns="" xmlns:a16="http://schemas.microsoft.com/office/drawing/2014/main" id="{80D99D6D-E397-499B-80A1-FCCB8CD81661}"/>
               </a:ext>
             </a:extLst>
           </p:cNvPr>
@@ -2937,7 +2938,7 @@
           <p:cNvPr id="3" name="Picture Placeholder 2">
             <a:extLst>
               <a:ext uri="{FF2B5EF4-FFF2-40B4-BE49-F238E27FC236}">
-                <a16:creationId xmlns:a16="http://schemas.microsoft.com/office/drawing/2014/main" xmlns="" id="{56722E0C-C01F-432B-9A07-4394593E69CC}"/>
+                <a16:creationId xmlns="" xmlns:a16="http://schemas.microsoft.com/office/drawing/2014/main" id="{56722E0C-C01F-432B-9A07-4394593E69CC}"/>
               </a:ext>
             </a:extLst>
           </p:cNvPr>
@@ -3004,7 +3005,7 @@
           <p:cNvPr id="4" name="Text Placeholder 3">
             <a:extLst>
               <a:ext uri="{FF2B5EF4-FFF2-40B4-BE49-F238E27FC236}">
-                <a16:creationId xmlns:a16="http://schemas.microsoft.com/office/drawing/2014/main" xmlns="" id="{EBA23BD5-F29F-48AE-A588-72C8B39B7160}"/>
+                <a16:creationId xmlns="" xmlns:a16="http://schemas.microsoft.com/office/drawing/2014/main" id="{EBA23BD5-F29F-48AE-A588-72C8B39B7160}"/>
               </a:ext>
             </a:extLst>
           </p:cNvPr>
@@ -3075,7 +3076,7 @@
           <p:cNvPr id="5" name="Date Placeholder 4">
             <a:extLst>
               <a:ext uri="{FF2B5EF4-FFF2-40B4-BE49-F238E27FC236}">
-                <a16:creationId xmlns:a16="http://schemas.microsoft.com/office/drawing/2014/main" xmlns="" id="{DB18EA2F-8D4B-4FFD-8168-B65B7F82DF86}"/>
+                <a16:creationId xmlns="" xmlns:a16="http://schemas.microsoft.com/office/drawing/2014/main" id="{DB18EA2F-8D4B-4FFD-8168-B65B7F82DF86}"/>
               </a:ext>
             </a:extLst>
           </p:cNvPr>
@@ -3104,7 +3105,7 @@
           <p:cNvPr id="6" name="Footer Placeholder 5">
             <a:extLst>
               <a:ext uri="{FF2B5EF4-FFF2-40B4-BE49-F238E27FC236}">
-                <a16:creationId xmlns:a16="http://schemas.microsoft.com/office/drawing/2014/main" xmlns="" id="{8AA3483C-4BE1-456C-A6A4-4239387D691F}"/>
+                <a16:creationId xmlns="" xmlns:a16="http://schemas.microsoft.com/office/drawing/2014/main" id="{8AA3483C-4BE1-456C-A6A4-4239387D691F}"/>
               </a:ext>
             </a:extLst>
           </p:cNvPr>
@@ -3133,7 +3134,7 @@
           <p:cNvPr id="7" name="Slide Number Placeholder 6">
             <a:extLst>
               <a:ext uri="{FF2B5EF4-FFF2-40B4-BE49-F238E27FC236}">
-                <a16:creationId xmlns:a16="http://schemas.microsoft.com/office/drawing/2014/main" xmlns="" id="{7C032B66-311F-43C3-A0AB-4512D5F17D69}"/>
+                <a16:creationId xmlns="" xmlns:a16="http://schemas.microsoft.com/office/drawing/2014/main" id="{7C032B66-311F-43C3-A0AB-4512D5F17D69}"/>
               </a:ext>
             </a:extLst>
           </p:cNvPr>
@@ -3197,7 +3198,7 @@
           <p:cNvPr id="2" name="Title Placeholder 1">
             <a:extLst>
               <a:ext uri="{FF2B5EF4-FFF2-40B4-BE49-F238E27FC236}">
-                <a16:creationId xmlns:a16="http://schemas.microsoft.com/office/drawing/2014/main" xmlns="" id="{1AE5B7F7-712F-49D6-9569-DF86C5A96A89}"/>
+                <a16:creationId xmlns="" xmlns:a16="http://schemas.microsoft.com/office/drawing/2014/main" id="{1AE5B7F7-712F-49D6-9569-DF86C5A96A89}"/>
               </a:ext>
             </a:extLst>
           </p:cNvPr>
@@ -3236,7 +3237,7 @@
           <p:cNvPr id="3" name="Text Placeholder 2">
             <a:extLst>
               <a:ext uri="{FF2B5EF4-FFF2-40B4-BE49-F238E27FC236}">
-                <a16:creationId xmlns:a16="http://schemas.microsoft.com/office/drawing/2014/main" xmlns="" id="{B9F23EA2-C30F-43FD-A4C2-02AE6A315DB8}"/>
+                <a16:creationId xmlns="" xmlns:a16="http://schemas.microsoft.com/office/drawing/2014/main" id="{B9F23EA2-C30F-43FD-A4C2-02AE6A315DB8}"/>
               </a:ext>
             </a:extLst>
           </p:cNvPr>
@@ -3304,7 +3305,7 @@
           <p:cNvPr id="4" name="Date Placeholder 3">
             <a:extLst>
               <a:ext uri="{FF2B5EF4-FFF2-40B4-BE49-F238E27FC236}">
-                <a16:creationId xmlns:a16="http://schemas.microsoft.com/office/drawing/2014/main" xmlns="" id="{52CE41F2-C832-43D8-B69F-F49E7AADEF6E}"/>
+                <a16:creationId xmlns="" xmlns:a16="http://schemas.microsoft.com/office/drawing/2014/main" id="{52CE41F2-C832-43D8-B69F-F49E7AADEF6E}"/>
               </a:ext>
             </a:extLst>
           </p:cNvPr>
@@ -3351,7 +3352,7 @@
           <p:cNvPr id="5" name="Footer Placeholder 4">
             <a:extLst>
               <a:ext uri="{FF2B5EF4-FFF2-40B4-BE49-F238E27FC236}">
-                <a16:creationId xmlns:a16="http://schemas.microsoft.com/office/drawing/2014/main" xmlns="" id="{16C0C3F3-C749-4F32-9EA1-BDF5BCF5F2D1}"/>
+                <a16:creationId xmlns="" xmlns:a16="http://schemas.microsoft.com/office/drawing/2014/main" id="{16C0C3F3-C749-4F32-9EA1-BDF5BCF5F2D1}"/>
               </a:ext>
             </a:extLst>
           </p:cNvPr>
@@ -3398,7 +3399,7 @@
           <p:cNvPr id="6" name="Slide Number Placeholder 5">
             <a:extLst>
               <a:ext uri="{FF2B5EF4-FFF2-40B4-BE49-F238E27FC236}">
-                <a16:creationId xmlns:a16="http://schemas.microsoft.com/office/drawing/2014/main" xmlns="" id="{DF4FB91D-C6B8-421D-81EB-651EAD2A8364}"/>
+                <a16:creationId xmlns="" xmlns:a16="http://schemas.microsoft.com/office/drawing/2014/main" id="{DF4FB91D-C6B8-421D-81EB-651EAD2A8364}"/>
               </a:ext>
             </a:extLst>
           </p:cNvPr>
@@ -3767,7 +3768,7 @@
           <p:cNvPr id="2" name="Title 1">
             <a:extLst>
               <a:ext uri="{FF2B5EF4-FFF2-40B4-BE49-F238E27FC236}">
-                <a16:creationId xmlns:a16="http://schemas.microsoft.com/office/drawing/2014/main" xmlns="" id="{0B983FEF-B0DF-4375-9F52-1D18A58B79C9}"/>
+                <a16:creationId xmlns="" xmlns:a16="http://schemas.microsoft.com/office/drawing/2014/main" id="{0B983FEF-B0DF-4375-9F52-1D18A58B79C9}"/>
               </a:ext>
             </a:extLst>
           </p:cNvPr>
@@ -3811,7 +3812,7 @@
           <p:cNvPr id="3" name="Subtitle 2">
             <a:extLst>
               <a:ext uri="{FF2B5EF4-FFF2-40B4-BE49-F238E27FC236}">
-                <a16:creationId xmlns:a16="http://schemas.microsoft.com/office/drawing/2014/main" xmlns="" id="{1A2A60DB-2279-441D-8885-2771CB5128AF}"/>
+                <a16:creationId xmlns="" xmlns:a16="http://schemas.microsoft.com/office/drawing/2014/main" id="{1A2A60DB-2279-441D-8885-2771CB5128AF}"/>
               </a:ext>
             </a:extLst>
           </p:cNvPr>
@@ -3850,7 +3851,7 @@
           <p:cNvPr id="4" name="Footer Placeholder 3">
             <a:extLst>
               <a:ext uri="{FF2B5EF4-FFF2-40B4-BE49-F238E27FC236}">
-                <a16:creationId xmlns:a16="http://schemas.microsoft.com/office/drawing/2014/main" xmlns="" id="{2508C9A7-6855-4D15-8EB4-41AA058C5DD7}"/>
+                <a16:creationId xmlns="" xmlns:a16="http://schemas.microsoft.com/office/drawing/2014/main" id="{2508C9A7-6855-4D15-8EB4-41AA058C5DD7}"/>
               </a:ext>
             </a:extLst>
           </p:cNvPr>
@@ -3879,7 +3880,7 @@
           <p:cNvPr id="5" name="Slide Number Placeholder 4">
             <a:extLst>
               <a:ext uri="{FF2B5EF4-FFF2-40B4-BE49-F238E27FC236}">
-                <a16:creationId xmlns:a16="http://schemas.microsoft.com/office/drawing/2014/main" xmlns="" id="{00F6A3EF-20DA-497B-A31B-F0824C635938}"/>
+                <a16:creationId xmlns="" xmlns:a16="http://schemas.microsoft.com/office/drawing/2014/main" id="{00F6A3EF-20DA-497B-A31B-F0824C635938}"/>
               </a:ext>
             </a:extLst>
           </p:cNvPr>
@@ -3945,7 +3946,7 @@
           <p:cNvPr id="2" name="Title 1">
             <a:extLst>
               <a:ext uri="{FF2B5EF4-FFF2-40B4-BE49-F238E27FC236}">
-                <a16:creationId xmlns:a16="http://schemas.microsoft.com/office/drawing/2014/main" xmlns="" id="{9F53C0E6-5CA5-48E1-B370-E678425399F4}"/>
+                <a16:creationId xmlns="" xmlns:a16="http://schemas.microsoft.com/office/drawing/2014/main" id="{9F53C0E6-5CA5-48E1-B370-E678425399F4}"/>
               </a:ext>
             </a:extLst>
           </p:cNvPr>
@@ -3968,7 +3969,7 @@
           <a:p>
             <a:r>
               <a:rPr lang="en-IN" dirty="0" smtClean="0"/>
-              <a:t>Result</a:t>
+              <a:t>Training</a:t>
             </a:r>
             <a:endParaRPr lang="en-IN" dirty="0"/>
           </a:p>
@@ -3979,7 +3980,7 @@
           <p:cNvPr id="3" name="Content Placeholder 2">
             <a:extLst>
               <a:ext uri="{FF2B5EF4-FFF2-40B4-BE49-F238E27FC236}">
-                <a16:creationId xmlns:a16="http://schemas.microsoft.com/office/drawing/2014/main" xmlns="" id="{F0A4581A-26B3-40E7-A945-90C4D9B58292}"/>
+                <a16:creationId xmlns="" xmlns:a16="http://schemas.microsoft.com/office/drawing/2014/main" id="{F0A4581A-26B3-40E7-A945-90C4D9B58292}"/>
               </a:ext>
             </a:extLst>
           </p:cNvPr>
@@ -4014,7 +4015,39 @@
             </a:pPr>
             <a:r>
               <a:rPr lang="en-US" sz="2000" dirty="0" smtClean="0"/>
-              <a:t>Template</a:t>
+              <a:t>CNN Architecture</a:t>
+            </a:r>
+          </a:p>
+          <a:p>
+            <a:pPr algn="just">
+              <a:lnSpc>
+                <a:spcPct val="100000"/>
+              </a:lnSpc>
+              <a:spcBef>
+                <a:spcPts val="0"/>
+              </a:spcBef>
+              <a:buFont typeface="Wingdings" panose="05000000000000000000" pitchFamily="2" charset="2"/>
+              <a:buChar char="Ø"/>
+            </a:pPr>
+            <a:r>
+              <a:rPr lang="en-US" sz="2000" dirty="0" smtClean="0"/>
+              <a:t>Epochs, Learning Rate, Batch Size, Optimizer, Loss Function</a:t>
+            </a:r>
+          </a:p>
+          <a:p>
+            <a:pPr algn="just">
+              <a:lnSpc>
+                <a:spcPct val="100000"/>
+              </a:lnSpc>
+              <a:spcBef>
+                <a:spcPts val="0"/>
+              </a:spcBef>
+              <a:buFont typeface="Wingdings" panose="05000000000000000000" pitchFamily="2" charset="2"/>
+              <a:buChar char="Ø"/>
+            </a:pPr>
+            <a:r>
+              <a:rPr lang="en-US" sz="2000" dirty="0" smtClean="0"/>
+              <a:t>Class-wise instances for training and validation</a:t>
             </a:r>
             <a:endParaRPr lang="en-IN" sz="2000" dirty="0" smtClean="0"/>
           </a:p>
@@ -4037,7 +4070,7 @@
           <p:cNvPr id="4" name="Footer Placeholder 3">
             <a:extLst>
               <a:ext uri="{FF2B5EF4-FFF2-40B4-BE49-F238E27FC236}">
-                <a16:creationId xmlns:a16="http://schemas.microsoft.com/office/drawing/2014/main" xmlns="" id="{540972A1-4BB3-4D04-B4DF-C76BA9B5CAD8}"/>
+                <a16:creationId xmlns="" xmlns:a16="http://schemas.microsoft.com/office/drawing/2014/main" id="{540972A1-4BB3-4D04-B4DF-C76BA9B5CAD8}"/>
               </a:ext>
             </a:extLst>
           </p:cNvPr>
@@ -4066,7 +4099,7 @@
           <p:cNvPr id="5" name="Slide Number Placeholder 4">
             <a:extLst>
               <a:ext uri="{FF2B5EF4-FFF2-40B4-BE49-F238E27FC236}">
-                <a16:creationId xmlns:a16="http://schemas.microsoft.com/office/drawing/2014/main" xmlns="" id="{23B5C741-F1AB-463E-B229-974B2924B065}"/>
+                <a16:creationId xmlns="" xmlns:a16="http://schemas.microsoft.com/office/drawing/2014/main" id="{23B5C741-F1AB-463E-B229-974B2924B065}"/>
               </a:ext>
             </a:extLst>
           </p:cNvPr>
@@ -4093,7 +4126,7 @@
     </p:spTree>
     <p:extLst>
       <p:ext uri="{BB962C8B-B14F-4D97-AF65-F5344CB8AC3E}">
-        <p14:creationId xmlns:p14="http://schemas.microsoft.com/office/powerpoint/2010/main" val="4046252225"/>
+        <p14:creationId xmlns:p14="http://schemas.microsoft.com/office/powerpoint/2010/main" val="2250606509"/>
       </p:ext>
     </p:extLst>
   </p:cSld>
@@ -4132,7 +4165,7 @@
           <p:cNvPr id="2" name="Title 1">
             <a:extLst>
               <a:ext uri="{FF2B5EF4-FFF2-40B4-BE49-F238E27FC236}">
-                <a16:creationId xmlns:a16="http://schemas.microsoft.com/office/drawing/2014/main" xmlns="" id="{9F53C0E6-5CA5-48E1-B370-E678425399F4}"/>
+                <a16:creationId xmlns="" xmlns:a16="http://schemas.microsoft.com/office/drawing/2014/main" id="{9F53C0E6-5CA5-48E1-B370-E678425399F4}"/>
               </a:ext>
             </a:extLst>
           </p:cNvPr>
@@ -4155,7 +4188,7 @@
           <a:p>
             <a:r>
               <a:rPr lang="en-IN" dirty="0" smtClean="0"/>
-              <a:t>Conclusion</a:t>
+              <a:t>Result</a:t>
             </a:r>
             <a:endParaRPr lang="en-IN" dirty="0"/>
           </a:p>
@@ -4166,7 +4199,7 @@
           <p:cNvPr id="3" name="Content Placeholder 2">
             <a:extLst>
               <a:ext uri="{FF2B5EF4-FFF2-40B4-BE49-F238E27FC236}">
-                <a16:creationId xmlns:a16="http://schemas.microsoft.com/office/drawing/2014/main" xmlns="" id="{F0A4581A-26B3-40E7-A945-90C4D9B58292}"/>
+                <a16:creationId xmlns="" xmlns:a16="http://schemas.microsoft.com/office/drawing/2014/main" id="{F0A4581A-26B3-40E7-A945-90C4D9B58292}"/>
               </a:ext>
             </a:extLst>
           </p:cNvPr>
@@ -4196,25 +4229,45 @@
               <a:spcBef>
                 <a:spcPts val="0"/>
               </a:spcBef>
-              <a:buFont typeface="Wingdings" panose="05000000000000000000" pitchFamily="2" charset="2"/>
+              <a:buFont typeface="Wingdings" pitchFamily="2" charset="2"/>
               <a:buChar char="Ø"/>
             </a:pPr>
             <a:r>
               <a:rPr lang="en-US" sz="2000" dirty="0" smtClean="0"/>
-              <a:t>Template</a:t>
-            </a:r>
-            <a:endParaRPr lang="en-IN" sz="2000" dirty="0" smtClean="0"/>
-          </a:p>
-          <a:p>
-            <a:pPr marL="0" indent="0" algn="just">
+              <a:t>Training Accuracy epoch-wise</a:t>
+            </a:r>
+          </a:p>
+          <a:p>
+            <a:pPr algn="just">
               <a:lnSpc>
                 <a:spcPct val="100000"/>
               </a:lnSpc>
               <a:spcBef>
                 <a:spcPts val="0"/>
               </a:spcBef>
-              <a:buNone/>
+              <a:buFont typeface="Wingdings" pitchFamily="2" charset="2"/>
+              <a:buChar char="Ø"/>
             </a:pPr>
+            <a:r>
+              <a:rPr lang="en-US" sz="2000" dirty="0" smtClean="0"/>
+              <a:t>Validation Accuracy epoch-wise</a:t>
+            </a:r>
+          </a:p>
+          <a:p>
+            <a:pPr algn="just">
+              <a:lnSpc>
+                <a:spcPct val="100000"/>
+              </a:lnSpc>
+              <a:spcBef>
+                <a:spcPts val="0"/>
+              </a:spcBef>
+              <a:buFont typeface="Wingdings" pitchFamily="2" charset="2"/>
+              <a:buChar char="Ø"/>
+            </a:pPr>
+            <a:r>
+              <a:rPr lang="en-US" sz="2000" dirty="0" smtClean="0"/>
+              <a:t>Test Accuracy</a:t>
+            </a:r>
             <a:endParaRPr lang="en-US" sz="2000" dirty="0" smtClean="0"/>
           </a:p>
         </p:txBody>
@@ -4224,7 +4277,7 @@
           <p:cNvPr id="4" name="Footer Placeholder 3">
             <a:extLst>
               <a:ext uri="{FF2B5EF4-FFF2-40B4-BE49-F238E27FC236}">
-                <a16:creationId xmlns:a16="http://schemas.microsoft.com/office/drawing/2014/main" xmlns="" id="{540972A1-4BB3-4D04-B4DF-C76BA9B5CAD8}"/>
+                <a16:creationId xmlns="" xmlns:a16="http://schemas.microsoft.com/office/drawing/2014/main" id="{540972A1-4BB3-4D04-B4DF-C76BA9B5CAD8}"/>
               </a:ext>
             </a:extLst>
           </p:cNvPr>
@@ -4253,7 +4306,7 @@
           <p:cNvPr id="5" name="Slide Number Placeholder 4">
             <a:extLst>
               <a:ext uri="{FF2B5EF4-FFF2-40B4-BE49-F238E27FC236}">
-                <a16:creationId xmlns:a16="http://schemas.microsoft.com/office/drawing/2014/main" xmlns="" id="{23B5C741-F1AB-463E-B229-974B2924B065}"/>
+                <a16:creationId xmlns="" xmlns:a16="http://schemas.microsoft.com/office/drawing/2014/main" id="{23B5C741-F1AB-463E-B229-974B2924B065}"/>
               </a:ext>
             </a:extLst>
           </p:cNvPr>
@@ -4280,7 +4333,7 @@
     </p:spTree>
     <p:extLst>
       <p:ext uri="{BB962C8B-B14F-4D97-AF65-F5344CB8AC3E}">
-        <p14:creationId xmlns:p14="http://schemas.microsoft.com/office/powerpoint/2010/main" val="1091564364"/>
+        <p14:creationId xmlns:p14="http://schemas.microsoft.com/office/powerpoint/2010/main" val="4046252225"/>
       </p:ext>
     </p:extLst>
   </p:cSld>
@@ -4319,7 +4372,7 @@
           <p:cNvPr id="2" name="Title 1">
             <a:extLst>
               <a:ext uri="{FF2B5EF4-FFF2-40B4-BE49-F238E27FC236}">
-                <a16:creationId xmlns:a16="http://schemas.microsoft.com/office/drawing/2014/main" xmlns="" id="{9F53C0E6-5CA5-48E1-B370-E678425399F4}"/>
+                <a16:creationId xmlns="" xmlns:a16="http://schemas.microsoft.com/office/drawing/2014/main" id="{9F53C0E6-5CA5-48E1-B370-E678425399F4}"/>
               </a:ext>
             </a:extLst>
           </p:cNvPr>
@@ -4342,7 +4395,7 @@
           <a:p>
             <a:r>
               <a:rPr lang="en-IN" dirty="0" smtClean="0"/>
-              <a:t>Future Work</a:t>
+              <a:t>Conclusion</a:t>
             </a:r>
             <a:endParaRPr lang="en-IN" dirty="0"/>
           </a:p>
@@ -4353,7 +4406,7 @@
           <p:cNvPr id="3" name="Content Placeholder 2">
             <a:extLst>
               <a:ext uri="{FF2B5EF4-FFF2-40B4-BE49-F238E27FC236}">
-                <a16:creationId xmlns:a16="http://schemas.microsoft.com/office/drawing/2014/main" xmlns="" id="{F0A4581A-26B3-40E7-A945-90C4D9B58292}"/>
+                <a16:creationId xmlns="" xmlns:a16="http://schemas.microsoft.com/office/drawing/2014/main" id="{F0A4581A-26B3-40E7-A945-90C4D9B58292}"/>
               </a:ext>
             </a:extLst>
           </p:cNvPr>
@@ -4411,7 +4464,7 @@
           <p:cNvPr id="4" name="Footer Placeholder 3">
             <a:extLst>
               <a:ext uri="{FF2B5EF4-FFF2-40B4-BE49-F238E27FC236}">
-                <a16:creationId xmlns:a16="http://schemas.microsoft.com/office/drawing/2014/main" xmlns="" id="{540972A1-4BB3-4D04-B4DF-C76BA9B5CAD8}"/>
+                <a16:creationId xmlns="" xmlns:a16="http://schemas.microsoft.com/office/drawing/2014/main" id="{540972A1-4BB3-4D04-B4DF-C76BA9B5CAD8}"/>
               </a:ext>
             </a:extLst>
           </p:cNvPr>
@@ -4440,7 +4493,7 @@
           <p:cNvPr id="5" name="Slide Number Placeholder 4">
             <a:extLst>
               <a:ext uri="{FF2B5EF4-FFF2-40B4-BE49-F238E27FC236}">
-                <a16:creationId xmlns:a16="http://schemas.microsoft.com/office/drawing/2014/main" xmlns="" id="{23B5C741-F1AB-463E-B229-974B2924B065}"/>
+                <a16:creationId xmlns="" xmlns:a16="http://schemas.microsoft.com/office/drawing/2014/main" id="{23B5C741-F1AB-463E-B229-974B2924B065}"/>
               </a:ext>
             </a:extLst>
           </p:cNvPr>
@@ -4467,7 +4520,7 @@
     </p:spTree>
     <p:extLst>
       <p:ext uri="{BB962C8B-B14F-4D97-AF65-F5344CB8AC3E}">
-        <p14:creationId xmlns:p14="http://schemas.microsoft.com/office/powerpoint/2010/main" val="3722319199"/>
+        <p14:creationId xmlns:p14="http://schemas.microsoft.com/office/powerpoint/2010/main" val="1091564364"/>
       </p:ext>
     </p:extLst>
   </p:cSld>
@@ -4506,7 +4559,7 @@
           <p:cNvPr id="2" name="Title 1">
             <a:extLst>
               <a:ext uri="{FF2B5EF4-FFF2-40B4-BE49-F238E27FC236}">
-                <a16:creationId xmlns:a16="http://schemas.microsoft.com/office/drawing/2014/main" xmlns="" id="{9F53C0E6-5CA5-48E1-B370-E678425399F4}"/>
+                <a16:creationId xmlns="" xmlns:a16="http://schemas.microsoft.com/office/drawing/2014/main" id="{9F53C0E6-5CA5-48E1-B370-E678425399F4}"/>
               </a:ext>
             </a:extLst>
           </p:cNvPr>
@@ -4529,7 +4582,7 @@
           <a:p>
             <a:r>
               <a:rPr lang="en-IN" dirty="0" smtClean="0"/>
-              <a:t>Template</a:t>
+              <a:t>Future Work</a:t>
             </a:r>
             <a:endParaRPr lang="en-IN" dirty="0"/>
           </a:p>
@@ -4540,7 +4593,7 @@
           <p:cNvPr id="3" name="Content Placeholder 2">
             <a:extLst>
               <a:ext uri="{FF2B5EF4-FFF2-40B4-BE49-F238E27FC236}">
-                <a16:creationId xmlns:a16="http://schemas.microsoft.com/office/drawing/2014/main" xmlns="" id="{F0A4581A-26B3-40E7-A945-90C4D9B58292}"/>
+                <a16:creationId xmlns="" xmlns:a16="http://schemas.microsoft.com/office/drawing/2014/main" id="{F0A4581A-26B3-40E7-A945-90C4D9B58292}"/>
               </a:ext>
             </a:extLst>
           </p:cNvPr>
@@ -4598,7 +4651,7 @@
           <p:cNvPr id="4" name="Footer Placeholder 3">
             <a:extLst>
               <a:ext uri="{FF2B5EF4-FFF2-40B4-BE49-F238E27FC236}">
-                <a16:creationId xmlns:a16="http://schemas.microsoft.com/office/drawing/2014/main" xmlns="" id="{540972A1-4BB3-4D04-B4DF-C76BA9B5CAD8}"/>
+                <a16:creationId xmlns="" xmlns:a16="http://schemas.microsoft.com/office/drawing/2014/main" id="{540972A1-4BB3-4D04-B4DF-C76BA9B5CAD8}"/>
               </a:ext>
             </a:extLst>
           </p:cNvPr>
@@ -4627,7 +4680,7 @@
           <p:cNvPr id="5" name="Slide Number Placeholder 4">
             <a:extLst>
               <a:ext uri="{FF2B5EF4-FFF2-40B4-BE49-F238E27FC236}">
-                <a16:creationId xmlns:a16="http://schemas.microsoft.com/office/drawing/2014/main" xmlns="" id="{23B5C741-F1AB-463E-B229-974B2924B065}"/>
+                <a16:creationId xmlns="" xmlns:a16="http://schemas.microsoft.com/office/drawing/2014/main" id="{23B5C741-F1AB-463E-B229-974B2924B065}"/>
               </a:ext>
             </a:extLst>
           </p:cNvPr>
@@ -4654,7 +4707,7 @@
     </p:spTree>
     <p:extLst>
       <p:ext uri="{BB962C8B-B14F-4D97-AF65-F5344CB8AC3E}">
-        <p14:creationId xmlns:p14="http://schemas.microsoft.com/office/powerpoint/2010/main" val="2250606509"/>
+        <p14:creationId xmlns:p14="http://schemas.microsoft.com/office/powerpoint/2010/main" val="3722319199"/>
       </p:ext>
     </p:extLst>
   </p:cSld>
@@ -4690,10 +4743,197 @@
       </p:grpSpPr>
       <p:sp>
         <p:nvSpPr>
+          <p:cNvPr id="2" name="Title 1">
+            <a:extLst>
+              <a:ext uri="{FF2B5EF4-FFF2-40B4-BE49-F238E27FC236}">
+                <a16:creationId xmlns="" xmlns:a16="http://schemas.microsoft.com/office/drawing/2014/main" id="{9F53C0E6-5CA5-48E1-B370-E678425399F4}"/>
+              </a:ext>
+            </a:extLst>
+          </p:cNvPr>
+          <p:cNvSpPr>
+            <a:spLocks noGrp="1"/>
+          </p:cNvSpPr>
+          <p:nvPr>
+            <p:ph type="title"/>
+          </p:nvPr>
+        </p:nvSpPr>
+        <p:spPr>
+          <a:xfrm>
+            <a:off x="838200" y="365125"/>
+            <a:ext cx="10515600" cy="827571"/>
+          </a:xfrm>
+        </p:spPr>
+        <p:txBody>
+          <a:bodyPr/>
+          <a:lstStyle/>
+          <a:p>
+            <a:r>
+              <a:rPr lang="en-IN" dirty="0" smtClean="0"/>
+              <a:t>Template</a:t>
+            </a:r>
+            <a:endParaRPr lang="en-IN" dirty="0"/>
+          </a:p>
+        </p:txBody>
+      </p:sp>
+      <p:sp>
+        <p:nvSpPr>
+          <p:cNvPr id="3" name="Content Placeholder 2">
+            <a:extLst>
+              <a:ext uri="{FF2B5EF4-FFF2-40B4-BE49-F238E27FC236}">
+                <a16:creationId xmlns="" xmlns:a16="http://schemas.microsoft.com/office/drawing/2014/main" id="{F0A4581A-26B3-40E7-A945-90C4D9B58292}"/>
+              </a:ext>
+            </a:extLst>
+          </p:cNvPr>
+          <p:cNvSpPr>
+            <a:spLocks noGrp="1"/>
+          </p:cNvSpPr>
+          <p:nvPr>
+            <p:ph idx="1"/>
+          </p:nvPr>
+        </p:nvSpPr>
+        <p:spPr>
+          <a:xfrm>
+            <a:off x="838200" y="1192696"/>
+            <a:ext cx="10515600" cy="4984267"/>
+          </a:xfrm>
+        </p:spPr>
+        <p:txBody>
+          <a:bodyPr>
+            <a:normAutofit/>
+          </a:bodyPr>
+          <a:lstStyle/>
+          <a:p>
+            <a:pPr algn="just">
+              <a:lnSpc>
+                <a:spcPct val="100000"/>
+              </a:lnSpc>
+              <a:spcBef>
+                <a:spcPts val="0"/>
+              </a:spcBef>
+              <a:buFont typeface="Wingdings" panose="05000000000000000000" pitchFamily="2" charset="2"/>
+              <a:buChar char="Ø"/>
+            </a:pPr>
+            <a:r>
+              <a:rPr lang="en-US" sz="2000" dirty="0" smtClean="0"/>
+              <a:t>Template</a:t>
+            </a:r>
+            <a:endParaRPr lang="en-IN" sz="2000" dirty="0" smtClean="0"/>
+          </a:p>
+          <a:p>
+            <a:pPr marL="0" indent="0" algn="just">
+              <a:lnSpc>
+                <a:spcPct val="100000"/>
+              </a:lnSpc>
+              <a:spcBef>
+                <a:spcPts val="0"/>
+              </a:spcBef>
+              <a:buNone/>
+            </a:pPr>
+            <a:endParaRPr lang="en-US" sz="2000" dirty="0" smtClean="0"/>
+          </a:p>
+        </p:txBody>
+      </p:sp>
+      <p:sp>
+        <p:nvSpPr>
+          <p:cNvPr id="4" name="Footer Placeholder 3">
+            <a:extLst>
+              <a:ext uri="{FF2B5EF4-FFF2-40B4-BE49-F238E27FC236}">
+                <a16:creationId xmlns="" xmlns:a16="http://schemas.microsoft.com/office/drawing/2014/main" id="{540972A1-4BB3-4D04-B4DF-C76BA9B5CAD8}"/>
+              </a:ext>
+            </a:extLst>
+          </p:cNvPr>
+          <p:cNvSpPr>
+            <a:spLocks noGrp="1"/>
+          </p:cNvSpPr>
+          <p:nvPr>
+            <p:ph type="ftr" sz="quarter" idx="11"/>
+          </p:nvPr>
+        </p:nvSpPr>
+        <p:spPr/>
+        <p:txBody>
+          <a:bodyPr/>
+          <a:lstStyle/>
+          <a:p>
+            <a:r>
+              <a:rPr lang="en-US"/>
+              <a:t>Sanjay Singh | san.singhsanjay@gmail.com</a:t>
+            </a:r>
+            <a:endParaRPr lang="en-IN"/>
+          </a:p>
+        </p:txBody>
+      </p:sp>
+      <p:sp>
+        <p:nvSpPr>
+          <p:cNvPr id="5" name="Slide Number Placeholder 4">
+            <a:extLst>
+              <a:ext uri="{FF2B5EF4-FFF2-40B4-BE49-F238E27FC236}">
+                <a16:creationId xmlns="" xmlns:a16="http://schemas.microsoft.com/office/drawing/2014/main" id="{23B5C741-F1AB-463E-B229-974B2924B065}"/>
+              </a:ext>
+            </a:extLst>
+          </p:cNvPr>
+          <p:cNvSpPr>
+            <a:spLocks noGrp="1"/>
+          </p:cNvSpPr>
+          <p:nvPr>
+            <p:ph type="sldNum" sz="quarter" idx="12"/>
+          </p:nvPr>
+        </p:nvSpPr>
+        <p:spPr/>
+        <p:txBody>
+          <a:bodyPr/>
+          <a:lstStyle/>
+          <a:p>
+            <a:fld id="{EC53106F-9B43-4B1F-BCB9-D94FA7734D96}" type="slidenum">
+              <a:rPr lang="en-IN" smtClean="0"/>
+              <a:t>14</a:t>
+            </a:fld>
+            <a:endParaRPr lang="en-IN"/>
+          </a:p>
+        </p:txBody>
+      </p:sp>
+    </p:spTree>
+    <p:extLst>
+      <p:ext uri="{BB962C8B-B14F-4D97-AF65-F5344CB8AC3E}">
+        <p14:creationId xmlns:p14="http://schemas.microsoft.com/office/powerpoint/2010/main" val="473995101"/>
+      </p:ext>
+    </p:extLst>
+  </p:cSld>
+  <p:clrMapOvr>
+    <a:masterClrMapping/>
+  </p:clrMapOvr>
+  <p:timing>
+    <p:tnLst>
+      <p:par>
+        <p:cTn id="1" dur="indefinite" restart="never" nodeType="tmRoot"/>
+      </p:par>
+    </p:tnLst>
+  </p:timing>
+</p:sld>
+</file>
+
+<file path=ppt/slides/slide15.xml><?xml version="1.0" encoding="utf-8"?>
+<p:sld xmlns:a="http://schemas.openxmlformats.org/drawingml/2006/main" xmlns:r="http://schemas.openxmlformats.org/officeDocument/2006/relationships" xmlns:p="http://schemas.openxmlformats.org/presentationml/2006/main">
+  <p:cSld>
+    <p:spTree>
+      <p:nvGrpSpPr>
+        <p:cNvPr id="1" name=""/>
+        <p:cNvGrpSpPr/>
+        <p:nvPr/>
+      </p:nvGrpSpPr>
+      <p:grpSpPr>
+        <a:xfrm>
+          <a:off x="0" y="0"/>
+          <a:ext cx="0" cy="0"/>
+          <a:chOff x="0" y="0"/>
+          <a:chExt cx="0" cy="0"/>
+        </a:xfrm>
+      </p:grpSpPr>
+      <p:sp>
+        <p:nvSpPr>
           <p:cNvPr id="2" name="TextBox 1">
             <a:extLst>
               <a:ext uri="{FF2B5EF4-FFF2-40B4-BE49-F238E27FC236}">
-                <a16:creationId xmlns:a16="http://schemas.microsoft.com/office/drawing/2014/main" xmlns="" id="{55FF0394-BE0D-4E73-AB74-CAA9CAD678A5}"/>
+                <a16:creationId xmlns="" xmlns:a16="http://schemas.microsoft.com/office/drawing/2014/main" id="{55FF0394-BE0D-4E73-AB74-CAA9CAD678A5}"/>
               </a:ext>
             </a:extLst>
           </p:cNvPr>
@@ -4728,7 +4968,7 @@
           <p:cNvPr id="3" name="Footer Placeholder 2">
             <a:extLst>
               <a:ext uri="{FF2B5EF4-FFF2-40B4-BE49-F238E27FC236}">
-                <a16:creationId xmlns:a16="http://schemas.microsoft.com/office/drawing/2014/main" xmlns="" id="{B10B3E08-E062-4DBA-9E4C-84B030193A6F}"/>
+                <a16:creationId xmlns="" xmlns:a16="http://schemas.microsoft.com/office/drawing/2014/main" id="{B10B3E08-E062-4DBA-9E4C-84B030193A6F}"/>
               </a:ext>
             </a:extLst>
           </p:cNvPr>
@@ -4757,7 +4997,7 @@
           <p:cNvPr id="4" name="Slide Number Placeholder 3">
             <a:extLst>
               <a:ext uri="{FF2B5EF4-FFF2-40B4-BE49-F238E27FC236}">
-                <a16:creationId xmlns:a16="http://schemas.microsoft.com/office/drawing/2014/main" xmlns="" id="{AB5D1752-A6EE-4332-87E5-C5378F033BA1}"/>
+                <a16:creationId xmlns="" xmlns:a16="http://schemas.microsoft.com/office/drawing/2014/main" id="{AB5D1752-A6EE-4332-87E5-C5378F033BA1}"/>
               </a:ext>
             </a:extLst>
           </p:cNvPr>
@@ -4775,7 +5015,7 @@
           <a:p>
             <a:fld id="{EC53106F-9B43-4B1F-BCB9-D94FA7734D96}" type="slidenum">
               <a:rPr lang="en-IN" smtClean="0"/>
-              <a:t>14</a:t>
+              <a:t>15</a:t>
             </a:fld>
             <a:endParaRPr lang="en-IN"/>
           </a:p>
@@ -4823,7 +5063,7 @@
           <p:cNvPr id="2" name="Title 1">
             <a:extLst>
               <a:ext uri="{FF2B5EF4-FFF2-40B4-BE49-F238E27FC236}">
-                <a16:creationId xmlns:a16="http://schemas.microsoft.com/office/drawing/2014/main" xmlns="" id="{9F53C0E6-5CA5-48E1-B370-E678425399F4}"/>
+                <a16:creationId xmlns="" xmlns:a16="http://schemas.microsoft.com/office/drawing/2014/main" id="{9F53C0E6-5CA5-48E1-B370-E678425399F4}"/>
               </a:ext>
             </a:extLst>
           </p:cNvPr>
@@ -4861,7 +5101,7 @@
           <p:cNvPr id="4" name="Footer Placeholder 3">
             <a:extLst>
               <a:ext uri="{FF2B5EF4-FFF2-40B4-BE49-F238E27FC236}">
-                <a16:creationId xmlns:a16="http://schemas.microsoft.com/office/drawing/2014/main" xmlns="" id="{540972A1-4BB3-4D04-B4DF-C76BA9B5CAD8}"/>
+                <a16:creationId xmlns="" xmlns:a16="http://schemas.microsoft.com/office/drawing/2014/main" id="{540972A1-4BB3-4D04-B4DF-C76BA9B5CAD8}"/>
               </a:ext>
             </a:extLst>
           </p:cNvPr>
@@ -4890,7 +5130,7 @@
           <p:cNvPr id="5" name="Slide Number Placeholder 4">
             <a:extLst>
               <a:ext uri="{FF2B5EF4-FFF2-40B4-BE49-F238E27FC236}">
-                <a16:creationId xmlns:a16="http://schemas.microsoft.com/office/drawing/2014/main" xmlns="" id="{23B5C741-F1AB-463E-B229-974B2924B065}"/>
+                <a16:creationId xmlns="" xmlns:a16="http://schemas.microsoft.com/office/drawing/2014/main" id="{23B5C741-F1AB-463E-B229-974B2924B065}"/>
               </a:ext>
             </a:extLst>
           </p:cNvPr>
@@ -5038,7 +5278,7 @@
           <p:cNvPr id="2" name="Title 1">
             <a:extLst>
               <a:ext uri="{FF2B5EF4-FFF2-40B4-BE49-F238E27FC236}">
-                <a16:creationId xmlns:a16="http://schemas.microsoft.com/office/drawing/2014/main" xmlns="" id="{9F53C0E6-5CA5-48E1-B370-E678425399F4}"/>
+                <a16:creationId xmlns="" xmlns:a16="http://schemas.microsoft.com/office/drawing/2014/main" id="{9F53C0E6-5CA5-48E1-B370-E678425399F4}"/>
               </a:ext>
             </a:extLst>
           </p:cNvPr>
@@ -5072,7 +5312,7 @@
           <p:cNvPr id="3" name="Content Placeholder 2">
             <a:extLst>
               <a:ext uri="{FF2B5EF4-FFF2-40B4-BE49-F238E27FC236}">
-                <a16:creationId xmlns:a16="http://schemas.microsoft.com/office/drawing/2014/main" xmlns="" id="{F0A4581A-26B3-40E7-A945-90C4D9B58292}"/>
+                <a16:creationId xmlns="" xmlns:a16="http://schemas.microsoft.com/office/drawing/2014/main" id="{F0A4581A-26B3-40E7-A945-90C4D9B58292}"/>
               </a:ext>
             </a:extLst>
           </p:cNvPr>
@@ -5165,11 +5405,7 @@
             </a:pPr>
             <a:r>
               <a:rPr lang="en-US" sz="1800" dirty="0" smtClean="0"/>
-              <a:t>C++ was initially standardized in year 1988 which was then amended </a:t>
-            </a:r>
-            <a:r>
-              <a:rPr lang="en-US" sz="1800" dirty="0" smtClean="0"/>
-              <a:t>by the C++03, C++11, C++14, C++17 and C++20. C++23 is the next planned standard.</a:t>
+              <a:t>C++ was initially standardized in year 1988 which was then amended by the C++03, C++11, C++14, C++17 and C++20. C++23 is the next planned standard.</a:t>
             </a:r>
           </a:p>
           <a:p>
@@ -5264,7 +5500,7 @@
           <p:cNvPr id="4" name="Footer Placeholder 3">
             <a:extLst>
               <a:ext uri="{FF2B5EF4-FFF2-40B4-BE49-F238E27FC236}">
-                <a16:creationId xmlns:a16="http://schemas.microsoft.com/office/drawing/2014/main" xmlns="" id="{540972A1-4BB3-4D04-B4DF-C76BA9B5CAD8}"/>
+                <a16:creationId xmlns="" xmlns:a16="http://schemas.microsoft.com/office/drawing/2014/main" id="{540972A1-4BB3-4D04-B4DF-C76BA9B5CAD8}"/>
               </a:ext>
             </a:extLst>
           </p:cNvPr>
@@ -5293,7 +5529,7 @@
           <p:cNvPr id="5" name="Slide Number Placeholder 4">
             <a:extLst>
               <a:ext uri="{FF2B5EF4-FFF2-40B4-BE49-F238E27FC236}">
-                <a16:creationId xmlns:a16="http://schemas.microsoft.com/office/drawing/2014/main" xmlns="" id="{23B5C741-F1AB-463E-B229-974B2924B065}"/>
+                <a16:creationId xmlns="" xmlns:a16="http://schemas.microsoft.com/office/drawing/2014/main" id="{23B5C741-F1AB-463E-B229-974B2924B065}"/>
               </a:ext>
             </a:extLst>
           </p:cNvPr>
@@ -5359,7 +5595,7 @@
           <p:cNvPr id="2" name="Title 1">
             <a:extLst>
               <a:ext uri="{FF2B5EF4-FFF2-40B4-BE49-F238E27FC236}">
-                <a16:creationId xmlns:a16="http://schemas.microsoft.com/office/drawing/2014/main" xmlns="" id="{9F53C0E6-5CA5-48E1-B370-E678425399F4}"/>
+                <a16:creationId xmlns="" xmlns:a16="http://schemas.microsoft.com/office/drawing/2014/main" id="{9F53C0E6-5CA5-48E1-B370-E678425399F4}"/>
               </a:ext>
             </a:extLst>
           </p:cNvPr>
@@ -5393,7 +5629,7 @@
           <p:cNvPr id="3" name="Content Placeholder 2">
             <a:extLst>
               <a:ext uri="{FF2B5EF4-FFF2-40B4-BE49-F238E27FC236}">
-                <a16:creationId xmlns:a16="http://schemas.microsoft.com/office/drawing/2014/main" xmlns="" id="{F0A4581A-26B3-40E7-A945-90C4D9B58292}"/>
+                <a16:creationId xmlns="" xmlns:a16="http://schemas.microsoft.com/office/drawing/2014/main" id="{F0A4581A-26B3-40E7-A945-90C4D9B58292}"/>
               </a:ext>
             </a:extLst>
           </p:cNvPr>
@@ -5675,7 +5911,7 @@
           <p:cNvPr id="4" name="Footer Placeholder 3">
             <a:extLst>
               <a:ext uri="{FF2B5EF4-FFF2-40B4-BE49-F238E27FC236}">
-                <a16:creationId xmlns:a16="http://schemas.microsoft.com/office/drawing/2014/main" xmlns="" id="{540972A1-4BB3-4D04-B4DF-C76BA9B5CAD8}"/>
+                <a16:creationId xmlns="" xmlns:a16="http://schemas.microsoft.com/office/drawing/2014/main" id="{540972A1-4BB3-4D04-B4DF-C76BA9B5CAD8}"/>
               </a:ext>
             </a:extLst>
           </p:cNvPr>
@@ -5704,7 +5940,7 @@
           <p:cNvPr id="5" name="Slide Number Placeholder 4">
             <a:extLst>
               <a:ext uri="{FF2B5EF4-FFF2-40B4-BE49-F238E27FC236}">
-                <a16:creationId xmlns:a16="http://schemas.microsoft.com/office/drawing/2014/main" xmlns="" id="{23B5C741-F1AB-463E-B229-974B2924B065}"/>
+                <a16:creationId xmlns="" xmlns:a16="http://schemas.microsoft.com/office/drawing/2014/main" id="{23B5C741-F1AB-463E-B229-974B2924B065}"/>
               </a:ext>
             </a:extLst>
           </p:cNvPr>
@@ -5770,7 +6006,7 @@
           <p:cNvPr id="2" name="Title 1">
             <a:extLst>
               <a:ext uri="{FF2B5EF4-FFF2-40B4-BE49-F238E27FC236}">
-                <a16:creationId xmlns:a16="http://schemas.microsoft.com/office/drawing/2014/main" xmlns="" id="{9F53C0E6-5CA5-48E1-B370-E678425399F4}"/>
+                <a16:creationId xmlns="" xmlns:a16="http://schemas.microsoft.com/office/drawing/2014/main" id="{9F53C0E6-5CA5-48E1-B370-E678425399F4}"/>
               </a:ext>
             </a:extLst>
           </p:cNvPr>
@@ -5804,7 +6040,7 @@
           <p:cNvPr id="3" name="Content Placeholder 2">
             <a:extLst>
               <a:ext uri="{FF2B5EF4-FFF2-40B4-BE49-F238E27FC236}">
-                <a16:creationId xmlns:a16="http://schemas.microsoft.com/office/drawing/2014/main" xmlns="" id="{F0A4581A-26B3-40E7-A945-90C4D9B58292}"/>
+                <a16:creationId xmlns="" xmlns:a16="http://schemas.microsoft.com/office/drawing/2014/main" id="{F0A4581A-26B3-40E7-A945-90C4D9B58292}"/>
               </a:ext>
             </a:extLst>
           </p:cNvPr>
@@ -5870,7 +6106,7 @@
           <p:cNvPr id="4" name="Footer Placeholder 3">
             <a:extLst>
               <a:ext uri="{FF2B5EF4-FFF2-40B4-BE49-F238E27FC236}">
-                <a16:creationId xmlns:a16="http://schemas.microsoft.com/office/drawing/2014/main" xmlns="" id="{540972A1-4BB3-4D04-B4DF-C76BA9B5CAD8}"/>
+                <a16:creationId xmlns="" xmlns:a16="http://schemas.microsoft.com/office/drawing/2014/main" id="{540972A1-4BB3-4D04-B4DF-C76BA9B5CAD8}"/>
               </a:ext>
             </a:extLst>
           </p:cNvPr>
@@ -5899,7 +6135,7 @@
           <p:cNvPr id="5" name="Slide Number Placeholder 4">
             <a:extLst>
               <a:ext uri="{FF2B5EF4-FFF2-40B4-BE49-F238E27FC236}">
-                <a16:creationId xmlns:a16="http://schemas.microsoft.com/office/drawing/2014/main" xmlns="" id="{23B5C741-F1AB-463E-B229-974B2924B065}"/>
+                <a16:creationId xmlns="" xmlns:a16="http://schemas.microsoft.com/office/drawing/2014/main" id="{23B5C741-F1AB-463E-B229-974B2924B065}"/>
               </a:ext>
             </a:extLst>
           </p:cNvPr>
@@ -6949,7 +7185,7 @@
           <p:cNvPr id="2" name="Title 1">
             <a:extLst>
               <a:ext uri="{FF2B5EF4-FFF2-40B4-BE49-F238E27FC236}">
-                <a16:creationId xmlns:a16="http://schemas.microsoft.com/office/drawing/2014/main" xmlns="" id="{9F53C0E6-5CA5-48E1-B370-E678425399F4}"/>
+                <a16:creationId xmlns="" xmlns:a16="http://schemas.microsoft.com/office/drawing/2014/main" id="{9F53C0E6-5CA5-48E1-B370-E678425399F4}"/>
               </a:ext>
             </a:extLst>
           </p:cNvPr>
@@ -6983,7 +7219,7 @@
           <p:cNvPr id="3" name="Content Placeholder 2">
             <a:extLst>
               <a:ext uri="{FF2B5EF4-FFF2-40B4-BE49-F238E27FC236}">
-                <a16:creationId xmlns:a16="http://schemas.microsoft.com/office/drawing/2014/main" xmlns="" id="{F0A4581A-26B3-40E7-A945-90C4D9B58292}"/>
+                <a16:creationId xmlns="" xmlns:a16="http://schemas.microsoft.com/office/drawing/2014/main" id="{F0A4581A-26B3-40E7-A945-90C4D9B58292}"/>
               </a:ext>
             </a:extLst>
           </p:cNvPr>
@@ -7222,7 +7458,7 @@
           <p:cNvPr id="4" name="Footer Placeholder 3">
             <a:extLst>
               <a:ext uri="{FF2B5EF4-FFF2-40B4-BE49-F238E27FC236}">
-                <a16:creationId xmlns:a16="http://schemas.microsoft.com/office/drawing/2014/main" xmlns="" id="{540972A1-4BB3-4D04-B4DF-C76BA9B5CAD8}"/>
+                <a16:creationId xmlns="" xmlns:a16="http://schemas.microsoft.com/office/drawing/2014/main" id="{540972A1-4BB3-4D04-B4DF-C76BA9B5CAD8}"/>
               </a:ext>
             </a:extLst>
           </p:cNvPr>
@@ -7251,7 +7487,7 @@
           <p:cNvPr id="5" name="Slide Number Placeholder 4">
             <a:extLst>
               <a:ext uri="{FF2B5EF4-FFF2-40B4-BE49-F238E27FC236}">
-                <a16:creationId xmlns:a16="http://schemas.microsoft.com/office/drawing/2014/main" xmlns="" id="{23B5C741-F1AB-463E-B229-974B2924B065}"/>
+                <a16:creationId xmlns="" xmlns:a16="http://schemas.microsoft.com/office/drawing/2014/main" id="{23B5C741-F1AB-463E-B229-974B2924B065}"/>
               </a:ext>
             </a:extLst>
           </p:cNvPr>
@@ -7973,7 +8209,7 @@
           <p:cNvPr id="2" name="Title 1">
             <a:extLst>
               <a:ext uri="{FF2B5EF4-FFF2-40B4-BE49-F238E27FC236}">
-                <a16:creationId xmlns:a16="http://schemas.microsoft.com/office/drawing/2014/main" xmlns="" id="{9F53C0E6-5CA5-48E1-B370-E678425399F4}"/>
+                <a16:creationId xmlns="" xmlns:a16="http://schemas.microsoft.com/office/drawing/2014/main" id="{9F53C0E6-5CA5-48E1-B370-E678425399F4}"/>
               </a:ext>
             </a:extLst>
           </p:cNvPr>
@@ -8007,7 +8243,7 @@
           <p:cNvPr id="3" name="Content Placeholder 2">
             <a:extLst>
               <a:ext uri="{FF2B5EF4-FFF2-40B4-BE49-F238E27FC236}">
-                <a16:creationId xmlns:a16="http://schemas.microsoft.com/office/drawing/2014/main" xmlns="" id="{F0A4581A-26B3-40E7-A945-90C4D9B58292}"/>
+                <a16:creationId xmlns="" xmlns:a16="http://schemas.microsoft.com/office/drawing/2014/main" id="{F0A4581A-26B3-40E7-A945-90C4D9B58292}"/>
               </a:ext>
             </a:extLst>
           </p:cNvPr>
@@ -8236,7 +8472,7 @@
           <p:cNvPr id="4" name="Footer Placeholder 3">
             <a:extLst>
               <a:ext uri="{FF2B5EF4-FFF2-40B4-BE49-F238E27FC236}">
-                <a16:creationId xmlns:a16="http://schemas.microsoft.com/office/drawing/2014/main" xmlns="" id="{540972A1-4BB3-4D04-B4DF-C76BA9B5CAD8}"/>
+                <a16:creationId xmlns="" xmlns:a16="http://schemas.microsoft.com/office/drawing/2014/main" id="{540972A1-4BB3-4D04-B4DF-C76BA9B5CAD8}"/>
               </a:ext>
             </a:extLst>
           </p:cNvPr>
@@ -8265,7 +8501,7 @@
           <p:cNvPr id="5" name="Slide Number Placeholder 4">
             <a:extLst>
               <a:ext uri="{FF2B5EF4-FFF2-40B4-BE49-F238E27FC236}">
-                <a16:creationId xmlns:a16="http://schemas.microsoft.com/office/drawing/2014/main" xmlns="" id="{23B5C741-F1AB-463E-B229-974B2924B065}"/>
+                <a16:creationId xmlns="" xmlns:a16="http://schemas.microsoft.com/office/drawing/2014/main" id="{23B5C741-F1AB-463E-B229-974B2924B065}"/>
               </a:ext>
             </a:extLst>
           </p:cNvPr>
@@ -9446,7 +9682,7 @@
           <p:cNvPr id="2" name="Title 1">
             <a:extLst>
               <a:ext uri="{FF2B5EF4-FFF2-40B4-BE49-F238E27FC236}">
-                <a16:creationId xmlns:a16="http://schemas.microsoft.com/office/drawing/2014/main" xmlns="" id="{9F53C0E6-5CA5-48E1-B370-E678425399F4}"/>
+                <a16:creationId xmlns="" xmlns:a16="http://schemas.microsoft.com/office/drawing/2014/main" id="{9F53C0E6-5CA5-48E1-B370-E678425399F4}"/>
               </a:ext>
             </a:extLst>
           </p:cNvPr>
@@ -9480,7 +9716,7 @@
           <p:cNvPr id="3" name="Content Placeholder 2">
             <a:extLst>
               <a:ext uri="{FF2B5EF4-FFF2-40B4-BE49-F238E27FC236}">
-                <a16:creationId xmlns:a16="http://schemas.microsoft.com/office/drawing/2014/main" xmlns="" id="{F0A4581A-26B3-40E7-A945-90C4D9B58292}"/>
+                <a16:creationId xmlns="" xmlns:a16="http://schemas.microsoft.com/office/drawing/2014/main" id="{F0A4581A-26B3-40E7-A945-90C4D9B58292}"/>
               </a:ext>
             </a:extLst>
           </p:cNvPr>
@@ -9521,11 +9757,7 @@
             </a:r>
             <a:r>
               <a:rPr lang="en-US" sz="1800" dirty="0" smtClean="0"/>
-              <a:t>” file and then it will create the “.rec” file. Following </a:t>
-            </a:r>
-            <a:r>
-              <a:rPr lang="en-US" sz="1800" dirty="0" smtClean="0"/>
-              <a:t>are the commands:</a:t>
+              <a:t>” file and then it will create the “.rec” file. Following are the commands:</a:t>
             </a:r>
           </a:p>
           <a:p>
@@ -9608,11 +9840,7 @@
             </a:r>
             <a:r>
               <a:rPr lang="en-US" sz="1800" dirty="0" smtClean="0"/>
-              <a:t>” directory.  </a:t>
-            </a:r>
-            <a:r>
-              <a:rPr lang="en-US" sz="1800" dirty="0" smtClean="0"/>
-              <a:t>Since data of each class is within its respective sub-directory having class name as directory name, thus “—recursive” option is used here. It is instructed to take 99% of this data set for training and 1% for validation. This command will create files: </a:t>
+              <a:t>” directory.  Since data of each class is within its respective sub-directory having class name as directory name, thus “—recursive” option is used here. It is instructed to take 99% of this data set for training and 1% for validation. This command will create files: </a:t>
             </a:r>
             <a:r>
               <a:rPr lang="en-US" sz="1800" dirty="0" err="1" smtClean="0"/>
@@ -9713,7 +9941,7 @@
           <p:cNvPr id="4" name="Footer Placeholder 3">
             <a:extLst>
               <a:ext uri="{FF2B5EF4-FFF2-40B4-BE49-F238E27FC236}">
-                <a16:creationId xmlns:a16="http://schemas.microsoft.com/office/drawing/2014/main" xmlns="" id="{540972A1-4BB3-4D04-B4DF-C76BA9B5CAD8}"/>
+                <a16:creationId xmlns="" xmlns:a16="http://schemas.microsoft.com/office/drawing/2014/main" id="{540972A1-4BB3-4D04-B4DF-C76BA9B5CAD8}"/>
               </a:ext>
             </a:extLst>
           </p:cNvPr>
@@ -9742,7 +9970,7 @@
           <p:cNvPr id="5" name="Slide Number Placeholder 4">
             <a:extLst>
               <a:ext uri="{FF2B5EF4-FFF2-40B4-BE49-F238E27FC236}">
-                <a16:creationId xmlns:a16="http://schemas.microsoft.com/office/drawing/2014/main" xmlns="" id="{23B5C741-F1AB-463E-B229-974B2924B065}"/>
+                <a16:creationId xmlns="" xmlns:a16="http://schemas.microsoft.com/office/drawing/2014/main" id="{23B5C741-F1AB-463E-B229-974B2924B065}"/>
               </a:ext>
             </a:extLst>
           </p:cNvPr>
@@ -9963,7 +10191,7 @@
           <p:cNvPr id="2" name="Title 1">
             <a:extLst>
               <a:ext uri="{FF2B5EF4-FFF2-40B4-BE49-F238E27FC236}">
-                <a16:creationId xmlns:a16="http://schemas.microsoft.com/office/drawing/2014/main" xmlns="" id="{9F53C0E6-5CA5-48E1-B370-E678425399F4}"/>
+                <a16:creationId xmlns="" xmlns:a16="http://schemas.microsoft.com/office/drawing/2014/main" id="{9F53C0E6-5CA5-48E1-B370-E678425399F4}"/>
               </a:ext>
             </a:extLst>
           </p:cNvPr>
@@ -9997,7 +10225,7 @@
           <p:cNvPr id="3" name="Content Placeholder 2">
             <a:extLst>
               <a:ext uri="{FF2B5EF4-FFF2-40B4-BE49-F238E27FC236}">
-                <a16:creationId xmlns:a16="http://schemas.microsoft.com/office/drawing/2014/main" xmlns="" id="{F0A4581A-26B3-40E7-A945-90C4D9B58292}"/>
+                <a16:creationId xmlns="" xmlns:a16="http://schemas.microsoft.com/office/drawing/2014/main" id="{F0A4581A-26B3-40E7-A945-90C4D9B58292}"/>
               </a:ext>
             </a:extLst>
           </p:cNvPr>
@@ -10138,7 +10366,6 @@
               <a:rPr lang="en-IN" sz="1800" dirty="0" smtClean="0"/>
               <a:t>This C++ program will load the trained CNN model saved in the last step to make inference on the test data.</a:t>
             </a:r>
-            <a:endParaRPr lang="en-IN" sz="1800" dirty="0" smtClean="0"/>
           </a:p>
         </p:txBody>
       </p:sp>
@@ -10147,7 +10374,7 @@
           <p:cNvPr id="4" name="Footer Placeholder 3">
             <a:extLst>
               <a:ext uri="{FF2B5EF4-FFF2-40B4-BE49-F238E27FC236}">
-                <a16:creationId xmlns:a16="http://schemas.microsoft.com/office/drawing/2014/main" xmlns="" id="{540972A1-4BB3-4D04-B4DF-C76BA9B5CAD8}"/>
+                <a16:creationId xmlns="" xmlns:a16="http://schemas.microsoft.com/office/drawing/2014/main" id="{540972A1-4BB3-4D04-B4DF-C76BA9B5CAD8}"/>
               </a:ext>
             </a:extLst>
           </p:cNvPr>
@@ -10176,7 +10403,7 @@
           <p:cNvPr id="5" name="Slide Number Placeholder 4">
             <a:extLst>
               <a:ext uri="{FF2B5EF4-FFF2-40B4-BE49-F238E27FC236}">
-                <a16:creationId xmlns:a16="http://schemas.microsoft.com/office/drawing/2014/main" xmlns="" id="{23B5C741-F1AB-463E-B229-974B2924B065}"/>
+                <a16:creationId xmlns="" xmlns:a16="http://schemas.microsoft.com/office/drawing/2014/main" id="{23B5C741-F1AB-463E-B229-974B2924B065}"/>
               </a:ext>
             </a:extLst>
           </p:cNvPr>
@@ -10509,7 +10736,7 @@
   <a:extraClrSchemeLst/>
   <a:extLst>
     <a:ext uri="{05A4C25C-085E-4340-85A3-A5531E510DB2}">
-      <thm15:themeFamily xmlns:thm15="http://schemas.microsoft.com/office/thememl/2012/main" xmlns="" name="Office Theme" id="{62F939B6-93AF-4DB8-9C6B-D6C7DFDC589F}" vid="{4A3C46E8-61CC-4603-A589-7422A47A8E4A}"/>
+      <thm15:themeFamily xmlns="" xmlns:thm15="http://schemas.microsoft.com/office/thememl/2012/main" name="Office Theme" id="{62F939B6-93AF-4DB8-9C6B-D6C7DFDC589F}" vid="{4A3C46E8-61CC-4603-A589-7422A47A8E4A}"/>
     </a:ext>
   </a:extLst>
 </a:theme>
@@ -10804,7 +11031,7 @@
   <a:extraClrSchemeLst/>
   <a:extLst>
     <a:ext uri="{05A4C25C-085E-4340-85A3-A5531E510DB2}">
-      <thm15:themeFamily xmlns:thm15="http://schemas.microsoft.com/office/thememl/2012/main" xmlns="" name="Office Theme" id="{62F939B6-93AF-4DB8-9C6B-D6C7DFDC589F}" vid="{4A3C46E8-61CC-4603-A589-7422A47A8E4A}"/>
+      <thm15:themeFamily xmlns="" xmlns:thm15="http://schemas.microsoft.com/office/thememl/2012/main" name="Office Theme" id="{62F939B6-93AF-4DB8-9C6B-D6C7DFDC589F}" vid="{4A3C46E8-61CC-4603-A589-7422A47A8E4A}"/>
     </a:ext>
   </a:extLst>
 </a:theme>
